--- a/logos/logo.pptx
+++ b/logos/logo.pptx
@@ -12,9 +12,10 @@
     <p:sldId id="260" r:id="rId6"/>
     <p:sldId id="262" r:id="rId7"/>
     <p:sldId id="263" r:id="rId8"/>
-    <p:sldId id="265" r:id="rId9"/>
-    <p:sldId id="266" r:id="rId10"/>
-    <p:sldId id="261" r:id="rId11"/>
+    <p:sldId id="267" r:id="rId9"/>
+    <p:sldId id="265" r:id="rId10"/>
+    <p:sldId id="266" r:id="rId11"/>
+    <p:sldId id="261" r:id="rId12"/>
   </p:sldIdLst>
   <p:sldSz cx="12192000" cy="6858000"/>
   <p:notesSz cx="6858000" cy="9144000"/>
@@ -281,7 +282,7 @@
           <a:p>
             <a:fld id="{F113608F-95F3-4B70-894D-B2251FFEE48B}" type="datetimeFigureOut">
               <a:rPr lang="en-IN" smtClean="0"/>
-              <a:t>05-02-2023</a:t>
+              <a:t>10-02-2023</a:t>
             </a:fld>
             <a:endParaRPr lang="en-IN"/>
           </a:p>
@@ -481,7 +482,7 @@
           <a:p>
             <a:fld id="{F113608F-95F3-4B70-894D-B2251FFEE48B}" type="datetimeFigureOut">
               <a:rPr lang="en-IN" smtClean="0"/>
-              <a:t>05-02-2023</a:t>
+              <a:t>10-02-2023</a:t>
             </a:fld>
             <a:endParaRPr lang="en-IN"/>
           </a:p>
@@ -691,7 +692,7 @@
           <a:p>
             <a:fld id="{F113608F-95F3-4B70-894D-B2251FFEE48B}" type="datetimeFigureOut">
               <a:rPr lang="en-IN" smtClean="0"/>
-              <a:t>05-02-2023</a:t>
+              <a:t>10-02-2023</a:t>
             </a:fld>
             <a:endParaRPr lang="en-IN"/>
           </a:p>
@@ -891,7 +892,7 @@
           <a:p>
             <a:fld id="{F113608F-95F3-4B70-894D-B2251FFEE48B}" type="datetimeFigureOut">
               <a:rPr lang="en-IN" smtClean="0"/>
-              <a:t>05-02-2023</a:t>
+              <a:t>10-02-2023</a:t>
             </a:fld>
             <a:endParaRPr lang="en-IN"/>
           </a:p>
@@ -1167,7 +1168,7 @@
           <a:p>
             <a:fld id="{F113608F-95F3-4B70-894D-B2251FFEE48B}" type="datetimeFigureOut">
               <a:rPr lang="en-IN" smtClean="0"/>
-              <a:t>05-02-2023</a:t>
+              <a:t>10-02-2023</a:t>
             </a:fld>
             <a:endParaRPr lang="en-IN"/>
           </a:p>
@@ -1435,7 +1436,7 @@
           <a:p>
             <a:fld id="{F113608F-95F3-4B70-894D-B2251FFEE48B}" type="datetimeFigureOut">
               <a:rPr lang="en-IN" smtClean="0"/>
-              <a:t>05-02-2023</a:t>
+              <a:t>10-02-2023</a:t>
             </a:fld>
             <a:endParaRPr lang="en-IN"/>
           </a:p>
@@ -1850,7 +1851,7 @@
           <a:p>
             <a:fld id="{F113608F-95F3-4B70-894D-B2251FFEE48B}" type="datetimeFigureOut">
               <a:rPr lang="en-IN" smtClean="0"/>
-              <a:t>05-02-2023</a:t>
+              <a:t>10-02-2023</a:t>
             </a:fld>
             <a:endParaRPr lang="en-IN"/>
           </a:p>
@@ -1992,7 +1993,7 @@
           <a:p>
             <a:fld id="{F113608F-95F3-4B70-894D-B2251FFEE48B}" type="datetimeFigureOut">
               <a:rPr lang="en-IN" smtClean="0"/>
-              <a:t>05-02-2023</a:t>
+              <a:t>10-02-2023</a:t>
             </a:fld>
             <a:endParaRPr lang="en-IN"/>
           </a:p>
@@ -2105,7 +2106,7 @@
           <a:p>
             <a:fld id="{F113608F-95F3-4B70-894D-B2251FFEE48B}" type="datetimeFigureOut">
               <a:rPr lang="en-IN" smtClean="0"/>
-              <a:t>05-02-2023</a:t>
+              <a:t>10-02-2023</a:t>
             </a:fld>
             <a:endParaRPr lang="en-IN"/>
           </a:p>
@@ -2418,7 +2419,7 @@
           <a:p>
             <a:fld id="{F113608F-95F3-4B70-894D-B2251FFEE48B}" type="datetimeFigureOut">
               <a:rPr lang="en-IN" smtClean="0"/>
-              <a:t>05-02-2023</a:t>
+              <a:t>10-02-2023</a:t>
             </a:fld>
             <a:endParaRPr lang="en-IN"/>
           </a:p>
@@ -2707,7 +2708,7 @@
           <a:p>
             <a:fld id="{F113608F-95F3-4B70-894D-B2251FFEE48B}" type="datetimeFigureOut">
               <a:rPr lang="en-IN" smtClean="0"/>
-              <a:t>05-02-2023</a:t>
+              <a:t>10-02-2023</a:t>
             </a:fld>
             <a:endParaRPr lang="en-IN"/>
           </a:p>
@@ -2950,7 +2951,7 @@
           <a:p>
             <a:fld id="{F113608F-95F3-4B70-894D-B2251FFEE48B}" type="datetimeFigureOut">
               <a:rPr lang="en-IN" smtClean="0"/>
-              <a:t>05-02-2023</a:t>
+              <a:t>10-02-2023</a:t>
             </a:fld>
             <a:endParaRPr lang="en-IN"/>
           </a:p>
@@ -3431,6 +3432,1460 @@
 </file>
 
 <file path=ppt/slides/slide10.xml><?xml version="1.0" encoding="utf-8"?>
+<p:sld xmlns:a="http://schemas.openxmlformats.org/drawingml/2006/main" xmlns:r="http://schemas.openxmlformats.org/officeDocument/2006/relationships" xmlns:p="http://schemas.openxmlformats.org/presentationml/2006/main">
+  <p:cSld>
+    <p:bg>
+      <p:bgPr>
+        <a:solidFill>
+          <a:schemeClr val="bg1">
+            <a:lumMod val="85000"/>
+          </a:schemeClr>
+        </a:solidFill>
+        <a:effectLst/>
+      </p:bgPr>
+    </p:bg>
+    <p:spTree>
+      <p:nvGrpSpPr>
+        <p:cNvPr id="1" name=""/>
+        <p:cNvGrpSpPr/>
+        <p:nvPr/>
+      </p:nvGrpSpPr>
+      <p:grpSpPr>
+        <a:xfrm>
+          <a:off x="0" y="0"/>
+          <a:ext cx="0" cy="0"/>
+          <a:chOff x="0" y="0"/>
+          <a:chExt cx="0" cy="0"/>
+        </a:xfrm>
+      </p:grpSpPr>
+      <p:sp>
+        <p:nvSpPr>
+          <p:cNvPr id="4" name="Rectangle 3">
+            <a:extLst>
+              <a:ext uri="{FF2B5EF4-FFF2-40B4-BE49-F238E27FC236}">
+                <a16:creationId xmlns:a16="http://schemas.microsoft.com/office/drawing/2014/main" id="{CF0C0EA0-99AE-5560-C340-7B2C597DBF2C}"/>
+              </a:ext>
+            </a:extLst>
+          </p:cNvPr>
+          <p:cNvSpPr/>
+          <p:nvPr/>
+        </p:nvSpPr>
+        <p:spPr>
+          <a:xfrm>
+            <a:off x="765477" y="503928"/>
+            <a:ext cx="2880000" cy="2880000"/>
+          </a:xfrm>
+          <a:prstGeom prst="rect">
+            <a:avLst/>
+          </a:prstGeom>
+          <a:solidFill>
+            <a:srgbClr val="E6E6E6"/>
+          </a:solidFill>
+          <a:ln>
+            <a:noFill/>
+          </a:ln>
+        </p:spPr>
+        <p:style>
+          <a:lnRef idx="2">
+            <a:schemeClr val="accent1">
+              <a:shade val="50000"/>
+            </a:schemeClr>
+          </a:lnRef>
+          <a:fillRef idx="1">
+            <a:schemeClr val="accent1"/>
+          </a:fillRef>
+          <a:effectRef idx="0">
+            <a:schemeClr val="accent1"/>
+          </a:effectRef>
+          <a:fontRef idx="minor">
+            <a:schemeClr val="lt1"/>
+          </a:fontRef>
+        </p:style>
+        <p:txBody>
+          <a:bodyPr rtlCol="0" anchor="ctr"/>
+          <a:lstStyle/>
+          <a:p>
+            <a:pPr algn="ctr"/>
+            <a:endParaRPr lang="en-IN"/>
+          </a:p>
+        </p:txBody>
+      </p:sp>
+      <p:sp>
+        <p:nvSpPr>
+          <p:cNvPr id="2" name="Rectangle: Rounded Corners 1">
+            <a:extLst>
+              <a:ext uri="{FF2B5EF4-FFF2-40B4-BE49-F238E27FC236}">
+                <a16:creationId xmlns:a16="http://schemas.microsoft.com/office/drawing/2014/main" id="{8945C72F-25FF-032D-215D-65F065848EB6}"/>
+              </a:ext>
+            </a:extLst>
+          </p:cNvPr>
+          <p:cNvSpPr/>
+          <p:nvPr/>
+        </p:nvSpPr>
+        <p:spPr>
+          <a:xfrm>
+            <a:off x="1320101" y="1058552"/>
+            <a:ext cx="1770753" cy="1770753"/>
+          </a:xfrm>
+          <a:prstGeom prst="roundRect">
+            <a:avLst>
+              <a:gd name="adj" fmla="val 6261"/>
+            </a:avLst>
+          </a:prstGeom>
+          <a:solidFill>
+            <a:srgbClr val="542CB7"/>
+          </a:solidFill>
+          <a:ln>
+            <a:noFill/>
+          </a:ln>
+        </p:spPr>
+        <p:style>
+          <a:lnRef idx="2">
+            <a:schemeClr val="accent1">
+              <a:shade val="50000"/>
+            </a:schemeClr>
+          </a:lnRef>
+          <a:fillRef idx="1">
+            <a:schemeClr val="accent1"/>
+          </a:fillRef>
+          <a:effectRef idx="0">
+            <a:schemeClr val="accent1"/>
+          </a:effectRef>
+          <a:fontRef idx="minor">
+            <a:schemeClr val="lt1"/>
+          </a:fontRef>
+        </p:style>
+        <p:txBody>
+          <a:bodyPr rtlCol="0" anchor="ctr"/>
+          <a:lstStyle/>
+          <a:p>
+            <a:pPr algn="ctr"/>
+            <a:endParaRPr lang="en-IN"/>
+          </a:p>
+        </p:txBody>
+      </p:sp>
+      <p:sp>
+        <p:nvSpPr>
+          <p:cNvPr id="3" name="Hexagon 10">
+            <a:extLst>
+              <a:ext uri="{FF2B5EF4-FFF2-40B4-BE49-F238E27FC236}">
+                <a16:creationId xmlns:a16="http://schemas.microsoft.com/office/drawing/2014/main" id="{C9C4F585-C775-A4CB-ADC3-FE7298117F62}"/>
+              </a:ext>
+            </a:extLst>
+          </p:cNvPr>
+          <p:cNvSpPr/>
+          <p:nvPr/>
+        </p:nvSpPr>
+        <p:spPr>
+          <a:xfrm>
+            <a:off x="1658257" y="1172907"/>
+            <a:ext cx="1094443" cy="1542044"/>
+          </a:xfrm>
+          <a:custGeom>
+            <a:avLst/>
+            <a:gdLst>
+              <a:gd name="connsiteX0" fmla="*/ 0 w 3238500"/>
+              <a:gd name="connsiteY0" fmla="*/ 1405890 h 2811780"/>
+              <a:gd name="connsiteX1" fmla="*/ 506739 w 3238500"/>
+              <a:gd name="connsiteY1" fmla="*/ 1 h 2811780"/>
+              <a:gd name="connsiteX2" fmla="*/ 2731761 w 3238500"/>
+              <a:gd name="connsiteY2" fmla="*/ 1 h 2811780"/>
+              <a:gd name="connsiteX3" fmla="*/ 3238500 w 3238500"/>
+              <a:gd name="connsiteY3" fmla="*/ 1405890 h 2811780"/>
+              <a:gd name="connsiteX4" fmla="*/ 2731761 w 3238500"/>
+              <a:gd name="connsiteY4" fmla="*/ 2811779 h 2811780"/>
+              <a:gd name="connsiteX5" fmla="*/ 506739 w 3238500"/>
+              <a:gd name="connsiteY5" fmla="*/ 2811779 h 2811780"/>
+              <a:gd name="connsiteX6" fmla="*/ 0 w 3238500"/>
+              <a:gd name="connsiteY6" fmla="*/ 1405890 h 2811780"/>
+              <a:gd name="connsiteX0" fmla="*/ 87621 w 3326121"/>
+              <a:gd name="connsiteY0" fmla="*/ 1802129 h 3208018"/>
+              <a:gd name="connsiteX1" fmla="*/ 0 w 3326121"/>
+              <a:gd name="connsiteY1" fmla="*/ 0 h 3208018"/>
+              <a:gd name="connsiteX2" fmla="*/ 2819382 w 3326121"/>
+              <a:gd name="connsiteY2" fmla="*/ 396240 h 3208018"/>
+              <a:gd name="connsiteX3" fmla="*/ 3326121 w 3326121"/>
+              <a:gd name="connsiteY3" fmla="*/ 1802129 h 3208018"/>
+              <a:gd name="connsiteX4" fmla="*/ 2819382 w 3326121"/>
+              <a:gd name="connsiteY4" fmla="*/ 3208018 h 3208018"/>
+              <a:gd name="connsiteX5" fmla="*/ 594360 w 3326121"/>
+              <a:gd name="connsiteY5" fmla="*/ 3208018 h 3208018"/>
+              <a:gd name="connsiteX6" fmla="*/ 87621 w 3326121"/>
+              <a:gd name="connsiteY6" fmla="*/ 1802129 h 3208018"/>
+              <a:gd name="connsiteX0" fmla="*/ 94765 w 3333265"/>
+              <a:gd name="connsiteY0" fmla="*/ 1823560 h 3229449"/>
+              <a:gd name="connsiteX1" fmla="*/ 0 w 3333265"/>
+              <a:gd name="connsiteY1" fmla="*/ 0 h 3229449"/>
+              <a:gd name="connsiteX2" fmla="*/ 2826526 w 3333265"/>
+              <a:gd name="connsiteY2" fmla="*/ 417671 h 3229449"/>
+              <a:gd name="connsiteX3" fmla="*/ 3333265 w 3333265"/>
+              <a:gd name="connsiteY3" fmla="*/ 1823560 h 3229449"/>
+              <a:gd name="connsiteX4" fmla="*/ 2826526 w 3333265"/>
+              <a:gd name="connsiteY4" fmla="*/ 3229449 h 3229449"/>
+              <a:gd name="connsiteX5" fmla="*/ 601504 w 3333265"/>
+              <a:gd name="connsiteY5" fmla="*/ 3229449 h 3229449"/>
+              <a:gd name="connsiteX6" fmla="*/ 94765 w 3333265"/>
+              <a:gd name="connsiteY6" fmla="*/ 1823560 h 3229449"/>
+              <a:gd name="connsiteX0" fmla="*/ 99527 w 3338027"/>
+              <a:gd name="connsiteY0" fmla="*/ 1828322 h 3234211"/>
+              <a:gd name="connsiteX1" fmla="*/ 0 w 3338027"/>
+              <a:gd name="connsiteY1" fmla="*/ 0 h 3234211"/>
+              <a:gd name="connsiteX2" fmla="*/ 2831288 w 3338027"/>
+              <a:gd name="connsiteY2" fmla="*/ 422433 h 3234211"/>
+              <a:gd name="connsiteX3" fmla="*/ 3338027 w 3338027"/>
+              <a:gd name="connsiteY3" fmla="*/ 1828322 h 3234211"/>
+              <a:gd name="connsiteX4" fmla="*/ 2831288 w 3338027"/>
+              <a:gd name="connsiteY4" fmla="*/ 3234211 h 3234211"/>
+              <a:gd name="connsiteX5" fmla="*/ 606266 w 3338027"/>
+              <a:gd name="connsiteY5" fmla="*/ 3234211 h 3234211"/>
+              <a:gd name="connsiteX6" fmla="*/ 99527 w 3338027"/>
+              <a:gd name="connsiteY6" fmla="*/ 1828322 h 3234211"/>
+              <a:gd name="connsiteX0" fmla="*/ 99527 w 3338027"/>
+              <a:gd name="connsiteY0" fmla="*/ 1977389 h 3383278"/>
+              <a:gd name="connsiteX1" fmla="*/ 0 w 3338027"/>
+              <a:gd name="connsiteY1" fmla="*/ 149067 h 3383278"/>
+              <a:gd name="connsiteX2" fmla="*/ 1912125 w 3338027"/>
+              <a:gd name="connsiteY2" fmla="*/ 0 h 3383278"/>
+              <a:gd name="connsiteX3" fmla="*/ 3338027 w 3338027"/>
+              <a:gd name="connsiteY3" fmla="*/ 1977389 h 3383278"/>
+              <a:gd name="connsiteX4" fmla="*/ 2831288 w 3338027"/>
+              <a:gd name="connsiteY4" fmla="*/ 3383278 h 3383278"/>
+              <a:gd name="connsiteX5" fmla="*/ 606266 w 3338027"/>
+              <a:gd name="connsiteY5" fmla="*/ 3383278 h 3383278"/>
+              <a:gd name="connsiteX6" fmla="*/ 99527 w 3338027"/>
+              <a:gd name="connsiteY6" fmla="*/ 1977389 h 3383278"/>
+              <a:gd name="connsiteX0" fmla="*/ 97146 w 3335646"/>
+              <a:gd name="connsiteY0" fmla="*/ 1977389 h 3383278"/>
+              <a:gd name="connsiteX1" fmla="*/ 0 w 3335646"/>
+              <a:gd name="connsiteY1" fmla="*/ 146686 h 3383278"/>
+              <a:gd name="connsiteX2" fmla="*/ 1909744 w 3335646"/>
+              <a:gd name="connsiteY2" fmla="*/ 0 h 3383278"/>
+              <a:gd name="connsiteX3" fmla="*/ 3335646 w 3335646"/>
+              <a:gd name="connsiteY3" fmla="*/ 1977389 h 3383278"/>
+              <a:gd name="connsiteX4" fmla="*/ 2828907 w 3335646"/>
+              <a:gd name="connsiteY4" fmla="*/ 3383278 h 3383278"/>
+              <a:gd name="connsiteX5" fmla="*/ 603885 w 3335646"/>
+              <a:gd name="connsiteY5" fmla="*/ 3383278 h 3383278"/>
+              <a:gd name="connsiteX6" fmla="*/ 97146 w 3335646"/>
+              <a:gd name="connsiteY6" fmla="*/ 1977389 h 3383278"/>
+              <a:gd name="connsiteX0" fmla="*/ 97146 w 3347085"/>
+              <a:gd name="connsiteY0" fmla="*/ 1977389 h 4750165"/>
+              <a:gd name="connsiteX1" fmla="*/ 0 w 3347085"/>
+              <a:gd name="connsiteY1" fmla="*/ 146686 h 4750165"/>
+              <a:gd name="connsiteX2" fmla="*/ 1909744 w 3347085"/>
+              <a:gd name="connsiteY2" fmla="*/ 0 h 4750165"/>
+              <a:gd name="connsiteX3" fmla="*/ 3335646 w 3347085"/>
+              <a:gd name="connsiteY3" fmla="*/ 1977389 h 4750165"/>
+              <a:gd name="connsiteX4" fmla="*/ 2828907 w 3347085"/>
+              <a:gd name="connsiteY4" fmla="*/ 3383278 h 4750165"/>
+              <a:gd name="connsiteX5" fmla="*/ 3347085 w 3347085"/>
+              <a:gd name="connsiteY5" fmla="*/ 4750165 h 4750165"/>
+              <a:gd name="connsiteX6" fmla="*/ 97146 w 3347085"/>
+              <a:gd name="connsiteY6" fmla="*/ 1977389 h 4750165"/>
+              <a:gd name="connsiteX0" fmla="*/ 954986 w 3347085"/>
+              <a:gd name="connsiteY0" fmla="*/ 4456639 h 4750165"/>
+              <a:gd name="connsiteX1" fmla="*/ 0 w 3347085"/>
+              <a:gd name="connsiteY1" fmla="*/ 146686 h 4750165"/>
+              <a:gd name="connsiteX2" fmla="*/ 1909744 w 3347085"/>
+              <a:gd name="connsiteY2" fmla="*/ 0 h 4750165"/>
+              <a:gd name="connsiteX3" fmla="*/ 3335646 w 3347085"/>
+              <a:gd name="connsiteY3" fmla="*/ 1977389 h 4750165"/>
+              <a:gd name="connsiteX4" fmla="*/ 2828907 w 3347085"/>
+              <a:gd name="connsiteY4" fmla="*/ 3383278 h 4750165"/>
+              <a:gd name="connsiteX5" fmla="*/ 3347085 w 3347085"/>
+              <a:gd name="connsiteY5" fmla="*/ 4750165 h 4750165"/>
+              <a:gd name="connsiteX6" fmla="*/ 954986 w 3347085"/>
+              <a:gd name="connsiteY6" fmla="*/ 4456639 h 4750165"/>
+              <a:gd name="connsiteX0" fmla="*/ 954986 w 3337560"/>
+              <a:gd name="connsiteY0" fmla="*/ 4456639 h 4702540"/>
+              <a:gd name="connsiteX1" fmla="*/ 0 w 3337560"/>
+              <a:gd name="connsiteY1" fmla="*/ 146686 h 4702540"/>
+              <a:gd name="connsiteX2" fmla="*/ 1909744 w 3337560"/>
+              <a:gd name="connsiteY2" fmla="*/ 0 h 4702540"/>
+              <a:gd name="connsiteX3" fmla="*/ 3335646 w 3337560"/>
+              <a:gd name="connsiteY3" fmla="*/ 1977389 h 4702540"/>
+              <a:gd name="connsiteX4" fmla="*/ 2828907 w 3337560"/>
+              <a:gd name="connsiteY4" fmla="*/ 3383278 h 4702540"/>
+              <a:gd name="connsiteX5" fmla="*/ 3337560 w 3337560"/>
+              <a:gd name="connsiteY5" fmla="*/ 4702540 h 4702540"/>
+              <a:gd name="connsiteX6" fmla="*/ 954986 w 3337560"/>
+              <a:gd name="connsiteY6" fmla="*/ 4456639 h 4702540"/>
+              <a:gd name="connsiteX0" fmla="*/ 954986 w 3337560"/>
+              <a:gd name="connsiteY0" fmla="*/ 4456639 h 4702540"/>
+              <a:gd name="connsiteX1" fmla="*/ 0 w 3337560"/>
+              <a:gd name="connsiteY1" fmla="*/ 146686 h 4702540"/>
+              <a:gd name="connsiteX2" fmla="*/ 1909744 w 3337560"/>
+              <a:gd name="connsiteY2" fmla="*/ 0 h 4702540"/>
+              <a:gd name="connsiteX3" fmla="*/ 3335646 w 3337560"/>
+              <a:gd name="connsiteY3" fmla="*/ 1977389 h 4702540"/>
+              <a:gd name="connsiteX4" fmla="*/ 3038457 w 3337560"/>
+              <a:gd name="connsiteY4" fmla="*/ 2913378 h 4702540"/>
+              <a:gd name="connsiteX5" fmla="*/ 3337560 w 3337560"/>
+              <a:gd name="connsiteY5" fmla="*/ 4702540 h 4702540"/>
+              <a:gd name="connsiteX6" fmla="*/ 954986 w 3337560"/>
+              <a:gd name="connsiteY6" fmla="*/ 4456639 h 4702540"/>
+              <a:gd name="connsiteX0" fmla="*/ 954986 w 3337560"/>
+              <a:gd name="connsiteY0" fmla="*/ 4456639 h 4702540"/>
+              <a:gd name="connsiteX1" fmla="*/ 0 w 3337560"/>
+              <a:gd name="connsiteY1" fmla="*/ 146686 h 4702540"/>
+              <a:gd name="connsiteX2" fmla="*/ 1909744 w 3337560"/>
+              <a:gd name="connsiteY2" fmla="*/ 0 h 4702540"/>
+              <a:gd name="connsiteX3" fmla="*/ 1576696 w 3337560"/>
+              <a:gd name="connsiteY3" fmla="*/ 3482339 h 4702540"/>
+              <a:gd name="connsiteX4" fmla="*/ 3038457 w 3337560"/>
+              <a:gd name="connsiteY4" fmla="*/ 2913378 h 4702540"/>
+              <a:gd name="connsiteX5" fmla="*/ 3337560 w 3337560"/>
+              <a:gd name="connsiteY5" fmla="*/ 4702540 h 4702540"/>
+              <a:gd name="connsiteX6" fmla="*/ 954986 w 3337560"/>
+              <a:gd name="connsiteY6" fmla="*/ 4456639 h 4702540"/>
+            </a:gdLst>
+            <a:ahLst/>
+            <a:cxnLst>
+              <a:cxn ang="0">
+                <a:pos x="connsiteX0" y="connsiteY0"/>
+              </a:cxn>
+              <a:cxn ang="0">
+                <a:pos x="connsiteX1" y="connsiteY1"/>
+              </a:cxn>
+              <a:cxn ang="0">
+                <a:pos x="connsiteX2" y="connsiteY2"/>
+              </a:cxn>
+              <a:cxn ang="0">
+                <a:pos x="connsiteX3" y="connsiteY3"/>
+              </a:cxn>
+              <a:cxn ang="0">
+                <a:pos x="connsiteX4" y="connsiteY4"/>
+              </a:cxn>
+              <a:cxn ang="0">
+                <a:pos x="connsiteX5" y="connsiteY5"/>
+              </a:cxn>
+              <a:cxn ang="0">
+                <a:pos x="connsiteX6" y="connsiteY6"/>
+              </a:cxn>
+            </a:cxnLst>
+            <a:rect l="l" t="t" r="r" b="b"/>
+            <a:pathLst>
+              <a:path w="3337560" h="4702540">
+                <a:moveTo>
+                  <a:pt x="954986" y="4456639"/>
+                </a:moveTo>
+                <a:lnTo>
+                  <a:pt x="0" y="146686"/>
+                </a:lnTo>
+                <a:lnTo>
+                  <a:pt x="1909744" y="0"/>
+                </a:lnTo>
+                <a:lnTo>
+                  <a:pt x="1576696" y="3482339"/>
+                </a:lnTo>
+                <a:lnTo>
+                  <a:pt x="3038457" y="2913378"/>
+                </a:lnTo>
+                <a:lnTo>
+                  <a:pt x="3337560" y="4702540"/>
+                </a:lnTo>
+                <a:lnTo>
+                  <a:pt x="954986" y="4456639"/>
+                </a:lnTo>
+                <a:close/>
+              </a:path>
+            </a:pathLst>
+          </a:custGeom>
+          <a:solidFill>
+            <a:schemeClr val="bg1">
+              <a:alpha val="99000"/>
+            </a:schemeClr>
+          </a:solidFill>
+          <a:ln>
+            <a:noFill/>
+          </a:ln>
+        </p:spPr>
+        <p:style>
+          <a:lnRef idx="2">
+            <a:schemeClr val="accent1">
+              <a:shade val="50000"/>
+            </a:schemeClr>
+          </a:lnRef>
+          <a:fillRef idx="1">
+            <a:schemeClr val="accent1"/>
+          </a:fillRef>
+          <a:effectRef idx="0">
+            <a:schemeClr val="accent1"/>
+          </a:effectRef>
+          <a:fontRef idx="minor">
+            <a:schemeClr val="lt1"/>
+          </a:fontRef>
+        </p:style>
+        <p:txBody>
+          <a:bodyPr rtlCol="0" anchor="ctr"/>
+          <a:lstStyle/>
+          <a:p>
+            <a:pPr algn="ctr"/>
+            <a:endParaRPr lang="en-IN" dirty="0"/>
+          </a:p>
+        </p:txBody>
+      </p:sp>
+      <p:sp>
+        <p:nvSpPr>
+          <p:cNvPr id="5" name="Rectangle 4">
+            <a:extLst>
+              <a:ext uri="{FF2B5EF4-FFF2-40B4-BE49-F238E27FC236}">
+                <a16:creationId xmlns:a16="http://schemas.microsoft.com/office/drawing/2014/main" id="{E7E3F6E3-AA8C-BFC5-498B-F26E91BBCDAF}"/>
+              </a:ext>
+            </a:extLst>
+          </p:cNvPr>
+          <p:cNvSpPr/>
+          <p:nvPr/>
+        </p:nvSpPr>
+        <p:spPr>
+          <a:xfrm>
+            <a:off x="4172692" y="549000"/>
+            <a:ext cx="2880000" cy="2880000"/>
+          </a:xfrm>
+          <a:prstGeom prst="rect">
+            <a:avLst/>
+          </a:prstGeom>
+          <a:solidFill>
+            <a:schemeClr val="bg1"/>
+          </a:solidFill>
+          <a:ln>
+            <a:noFill/>
+          </a:ln>
+        </p:spPr>
+        <p:style>
+          <a:lnRef idx="2">
+            <a:schemeClr val="accent1">
+              <a:shade val="50000"/>
+            </a:schemeClr>
+          </a:lnRef>
+          <a:fillRef idx="1">
+            <a:schemeClr val="accent1"/>
+          </a:fillRef>
+          <a:effectRef idx="0">
+            <a:schemeClr val="accent1"/>
+          </a:effectRef>
+          <a:fontRef idx="minor">
+            <a:schemeClr val="lt1"/>
+          </a:fontRef>
+        </p:style>
+        <p:txBody>
+          <a:bodyPr rtlCol="0" anchor="ctr"/>
+          <a:lstStyle/>
+          <a:p>
+            <a:pPr algn="ctr"/>
+            <a:endParaRPr lang="en-IN"/>
+          </a:p>
+        </p:txBody>
+      </p:sp>
+      <p:sp>
+        <p:nvSpPr>
+          <p:cNvPr id="6" name="Rectangle: Rounded Corners 5">
+            <a:extLst>
+              <a:ext uri="{FF2B5EF4-FFF2-40B4-BE49-F238E27FC236}">
+                <a16:creationId xmlns:a16="http://schemas.microsoft.com/office/drawing/2014/main" id="{C9472DF4-BE4E-EFC2-2FC5-DF2670D2C8C6}"/>
+              </a:ext>
+            </a:extLst>
+          </p:cNvPr>
+          <p:cNvSpPr/>
+          <p:nvPr/>
+        </p:nvSpPr>
+        <p:spPr>
+          <a:xfrm>
+            <a:off x="4727316" y="1103624"/>
+            <a:ext cx="1770753" cy="1770753"/>
+          </a:xfrm>
+          <a:prstGeom prst="roundRect">
+            <a:avLst>
+              <a:gd name="adj" fmla="val 6261"/>
+            </a:avLst>
+          </a:prstGeom>
+          <a:solidFill>
+            <a:srgbClr val="542CB7"/>
+          </a:solidFill>
+          <a:ln>
+            <a:noFill/>
+          </a:ln>
+        </p:spPr>
+        <p:style>
+          <a:lnRef idx="2">
+            <a:schemeClr val="accent1">
+              <a:shade val="50000"/>
+            </a:schemeClr>
+          </a:lnRef>
+          <a:fillRef idx="1">
+            <a:schemeClr val="accent1"/>
+          </a:fillRef>
+          <a:effectRef idx="0">
+            <a:schemeClr val="accent1"/>
+          </a:effectRef>
+          <a:fontRef idx="minor">
+            <a:schemeClr val="lt1"/>
+          </a:fontRef>
+        </p:style>
+        <p:txBody>
+          <a:bodyPr rtlCol="0" anchor="ctr"/>
+          <a:lstStyle/>
+          <a:p>
+            <a:pPr algn="ctr"/>
+            <a:endParaRPr lang="en-IN"/>
+          </a:p>
+        </p:txBody>
+      </p:sp>
+      <p:sp>
+        <p:nvSpPr>
+          <p:cNvPr id="7" name="Hexagon 10">
+            <a:extLst>
+              <a:ext uri="{FF2B5EF4-FFF2-40B4-BE49-F238E27FC236}">
+                <a16:creationId xmlns:a16="http://schemas.microsoft.com/office/drawing/2014/main" id="{E67EE71E-1A15-AFF6-6E14-76B0FF2D1493}"/>
+              </a:ext>
+            </a:extLst>
+          </p:cNvPr>
+          <p:cNvSpPr/>
+          <p:nvPr/>
+        </p:nvSpPr>
+        <p:spPr>
+          <a:xfrm>
+            <a:off x="5065472" y="1217979"/>
+            <a:ext cx="1094443" cy="1542044"/>
+          </a:xfrm>
+          <a:custGeom>
+            <a:avLst/>
+            <a:gdLst>
+              <a:gd name="connsiteX0" fmla="*/ 0 w 3238500"/>
+              <a:gd name="connsiteY0" fmla="*/ 1405890 h 2811780"/>
+              <a:gd name="connsiteX1" fmla="*/ 506739 w 3238500"/>
+              <a:gd name="connsiteY1" fmla="*/ 1 h 2811780"/>
+              <a:gd name="connsiteX2" fmla="*/ 2731761 w 3238500"/>
+              <a:gd name="connsiteY2" fmla="*/ 1 h 2811780"/>
+              <a:gd name="connsiteX3" fmla="*/ 3238500 w 3238500"/>
+              <a:gd name="connsiteY3" fmla="*/ 1405890 h 2811780"/>
+              <a:gd name="connsiteX4" fmla="*/ 2731761 w 3238500"/>
+              <a:gd name="connsiteY4" fmla="*/ 2811779 h 2811780"/>
+              <a:gd name="connsiteX5" fmla="*/ 506739 w 3238500"/>
+              <a:gd name="connsiteY5" fmla="*/ 2811779 h 2811780"/>
+              <a:gd name="connsiteX6" fmla="*/ 0 w 3238500"/>
+              <a:gd name="connsiteY6" fmla="*/ 1405890 h 2811780"/>
+              <a:gd name="connsiteX0" fmla="*/ 87621 w 3326121"/>
+              <a:gd name="connsiteY0" fmla="*/ 1802129 h 3208018"/>
+              <a:gd name="connsiteX1" fmla="*/ 0 w 3326121"/>
+              <a:gd name="connsiteY1" fmla="*/ 0 h 3208018"/>
+              <a:gd name="connsiteX2" fmla="*/ 2819382 w 3326121"/>
+              <a:gd name="connsiteY2" fmla="*/ 396240 h 3208018"/>
+              <a:gd name="connsiteX3" fmla="*/ 3326121 w 3326121"/>
+              <a:gd name="connsiteY3" fmla="*/ 1802129 h 3208018"/>
+              <a:gd name="connsiteX4" fmla="*/ 2819382 w 3326121"/>
+              <a:gd name="connsiteY4" fmla="*/ 3208018 h 3208018"/>
+              <a:gd name="connsiteX5" fmla="*/ 594360 w 3326121"/>
+              <a:gd name="connsiteY5" fmla="*/ 3208018 h 3208018"/>
+              <a:gd name="connsiteX6" fmla="*/ 87621 w 3326121"/>
+              <a:gd name="connsiteY6" fmla="*/ 1802129 h 3208018"/>
+              <a:gd name="connsiteX0" fmla="*/ 94765 w 3333265"/>
+              <a:gd name="connsiteY0" fmla="*/ 1823560 h 3229449"/>
+              <a:gd name="connsiteX1" fmla="*/ 0 w 3333265"/>
+              <a:gd name="connsiteY1" fmla="*/ 0 h 3229449"/>
+              <a:gd name="connsiteX2" fmla="*/ 2826526 w 3333265"/>
+              <a:gd name="connsiteY2" fmla="*/ 417671 h 3229449"/>
+              <a:gd name="connsiteX3" fmla="*/ 3333265 w 3333265"/>
+              <a:gd name="connsiteY3" fmla="*/ 1823560 h 3229449"/>
+              <a:gd name="connsiteX4" fmla="*/ 2826526 w 3333265"/>
+              <a:gd name="connsiteY4" fmla="*/ 3229449 h 3229449"/>
+              <a:gd name="connsiteX5" fmla="*/ 601504 w 3333265"/>
+              <a:gd name="connsiteY5" fmla="*/ 3229449 h 3229449"/>
+              <a:gd name="connsiteX6" fmla="*/ 94765 w 3333265"/>
+              <a:gd name="connsiteY6" fmla="*/ 1823560 h 3229449"/>
+              <a:gd name="connsiteX0" fmla="*/ 99527 w 3338027"/>
+              <a:gd name="connsiteY0" fmla="*/ 1828322 h 3234211"/>
+              <a:gd name="connsiteX1" fmla="*/ 0 w 3338027"/>
+              <a:gd name="connsiteY1" fmla="*/ 0 h 3234211"/>
+              <a:gd name="connsiteX2" fmla="*/ 2831288 w 3338027"/>
+              <a:gd name="connsiteY2" fmla="*/ 422433 h 3234211"/>
+              <a:gd name="connsiteX3" fmla="*/ 3338027 w 3338027"/>
+              <a:gd name="connsiteY3" fmla="*/ 1828322 h 3234211"/>
+              <a:gd name="connsiteX4" fmla="*/ 2831288 w 3338027"/>
+              <a:gd name="connsiteY4" fmla="*/ 3234211 h 3234211"/>
+              <a:gd name="connsiteX5" fmla="*/ 606266 w 3338027"/>
+              <a:gd name="connsiteY5" fmla="*/ 3234211 h 3234211"/>
+              <a:gd name="connsiteX6" fmla="*/ 99527 w 3338027"/>
+              <a:gd name="connsiteY6" fmla="*/ 1828322 h 3234211"/>
+              <a:gd name="connsiteX0" fmla="*/ 99527 w 3338027"/>
+              <a:gd name="connsiteY0" fmla="*/ 1977389 h 3383278"/>
+              <a:gd name="connsiteX1" fmla="*/ 0 w 3338027"/>
+              <a:gd name="connsiteY1" fmla="*/ 149067 h 3383278"/>
+              <a:gd name="connsiteX2" fmla="*/ 1912125 w 3338027"/>
+              <a:gd name="connsiteY2" fmla="*/ 0 h 3383278"/>
+              <a:gd name="connsiteX3" fmla="*/ 3338027 w 3338027"/>
+              <a:gd name="connsiteY3" fmla="*/ 1977389 h 3383278"/>
+              <a:gd name="connsiteX4" fmla="*/ 2831288 w 3338027"/>
+              <a:gd name="connsiteY4" fmla="*/ 3383278 h 3383278"/>
+              <a:gd name="connsiteX5" fmla="*/ 606266 w 3338027"/>
+              <a:gd name="connsiteY5" fmla="*/ 3383278 h 3383278"/>
+              <a:gd name="connsiteX6" fmla="*/ 99527 w 3338027"/>
+              <a:gd name="connsiteY6" fmla="*/ 1977389 h 3383278"/>
+              <a:gd name="connsiteX0" fmla="*/ 97146 w 3335646"/>
+              <a:gd name="connsiteY0" fmla="*/ 1977389 h 3383278"/>
+              <a:gd name="connsiteX1" fmla="*/ 0 w 3335646"/>
+              <a:gd name="connsiteY1" fmla="*/ 146686 h 3383278"/>
+              <a:gd name="connsiteX2" fmla="*/ 1909744 w 3335646"/>
+              <a:gd name="connsiteY2" fmla="*/ 0 h 3383278"/>
+              <a:gd name="connsiteX3" fmla="*/ 3335646 w 3335646"/>
+              <a:gd name="connsiteY3" fmla="*/ 1977389 h 3383278"/>
+              <a:gd name="connsiteX4" fmla="*/ 2828907 w 3335646"/>
+              <a:gd name="connsiteY4" fmla="*/ 3383278 h 3383278"/>
+              <a:gd name="connsiteX5" fmla="*/ 603885 w 3335646"/>
+              <a:gd name="connsiteY5" fmla="*/ 3383278 h 3383278"/>
+              <a:gd name="connsiteX6" fmla="*/ 97146 w 3335646"/>
+              <a:gd name="connsiteY6" fmla="*/ 1977389 h 3383278"/>
+              <a:gd name="connsiteX0" fmla="*/ 97146 w 3347085"/>
+              <a:gd name="connsiteY0" fmla="*/ 1977389 h 4750165"/>
+              <a:gd name="connsiteX1" fmla="*/ 0 w 3347085"/>
+              <a:gd name="connsiteY1" fmla="*/ 146686 h 4750165"/>
+              <a:gd name="connsiteX2" fmla="*/ 1909744 w 3347085"/>
+              <a:gd name="connsiteY2" fmla="*/ 0 h 4750165"/>
+              <a:gd name="connsiteX3" fmla="*/ 3335646 w 3347085"/>
+              <a:gd name="connsiteY3" fmla="*/ 1977389 h 4750165"/>
+              <a:gd name="connsiteX4" fmla="*/ 2828907 w 3347085"/>
+              <a:gd name="connsiteY4" fmla="*/ 3383278 h 4750165"/>
+              <a:gd name="connsiteX5" fmla="*/ 3347085 w 3347085"/>
+              <a:gd name="connsiteY5" fmla="*/ 4750165 h 4750165"/>
+              <a:gd name="connsiteX6" fmla="*/ 97146 w 3347085"/>
+              <a:gd name="connsiteY6" fmla="*/ 1977389 h 4750165"/>
+              <a:gd name="connsiteX0" fmla="*/ 954986 w 3347085"/>
+              <a:gd name="connsiteY0" fmla="*/ 4456639 h 4750165"/>
+              <a:gd name="connsiteX1" fmla="*/ 0 w 3347085"/>
+              <a:gd name="connsiteY1" fmla="*/ 146686 h 4750165"/>
+              <a:gd name="connsiteX2" fmla="*/ 1909744 w 3347085"/>
+              <a:gd name="connsiteY2" fmla="*/ 0 h 4750165"/>
+              <a:gd name="connsiteX3" fmla="*/ 3335646 w 3347085"/>
+              <a:gd name="connsiteY3" fmla="*/ 1977389 h 4750165"/>
+              <a:gd name="connsiteX4" fmla="*/ 2828907 w 3347085"/>
+              <a:gd name="connsiteY4" fmla="*/ 3383278 h 4750165"/>
+              <a:gd name="connsiteX5" fmla="*/ 3347085 w 3347085"/>
+              <a:gd name="connsiteY5" fmla="*/ 4750165 h 4750165"/>
+              <a:gd name="connsiteX6" fmla="*/ 954986 w 3347085"/>
+              <a:gd name="connsiteY6" fmla="*/ 4456639 h 4750165"/>
+              <a:gd name="connsiteX0" fmla="*/ 954986 w 3337560"/>
+              <a:gd name="connsiteY0" fmla="*/ 4456639 h 4702540"/>
+              <a:gd name="connsiteX1" fmla="*/ 0 w 3337560"/>
+              <a:gd name="connsiteY1" fmla="*/ 146686 h 4702540"/>
+              <a:gd name="connsiteX2" fmla="*/ 1909744 w 3337560"/>
+              <a:gd name="connsiteY2" fmla="*/ 0 h 4702540"/>
+              <a:gd name="connsiteX3" fmla="*/ 3335646 w 3337560"/>
+              <a:gd name="connsiteY3" fmla="*/ 1977389 h 4702540"/>
+              <a:gd name="connsiteX4" fmla="*/ 2828907 w 3337560"/>
+              <a:gd name="connsiteY4" fmla="*/ 3383278 h 4702540"/>
+              <a:gd name="connsiteX5" fmla="*/ 3337560 w 3337560"/>
+              <a:gd name="connsiteY5" fmla="*/ 4702540 h 4702540"/>
+              <a:gd name="connsiteX6" fmla="*/ 954986 w 3337560"/>
+              <a:gd name="connsiteY6" fmla="*/ 4456639 h 4702540"/>
+              <a:gd name="connsiteX0" fmla="*/ 954986 w 3337560"/>
+              <a:gd name="connsiteY0" fmla="*/ 4456639 h 4702540"/>
+              <a:gd name="connsiteX1" fmla="*/ 0 w 3337560"/>
+              <a:gd name="connsiteY1" fmla="*/ 146686 h 4702540"/>
+              <a:gd name="connsiteX2" fmla="*/ 1909744 w 3337560"/>
+              <a:gd name="connsiteY2" fmla="*/ 0 h 4702540"/>
+              <a:gd name="connsiteX3" fmla="*/ 3335646 w 3337560"/>
+              <a:gd name="connsiteY3" fmla="*/ 1977389 h 4702540"/>
+              <a:gd name="connsiteX4" fmla="*/ 3038457 w 3337560"/>
+              <a:gd name="connsiteY4" fmla="*/ 2913378 h 4702540"/>
+              <a:gd name="connsiteX5" fmla="*/ 3337560 w 3337560"/>
+              <a:gd name="connsiteY5" fmla="*/ 4702540 h 4702540"/>
+              <a:gd name="connsiteX6" fmla="*/ 954986 w 3337560"/>
+              <a:gd name="connsiteY6" fmla="*/ 4456639 h 4702540"/>
+              <a:gd name="connsiteX0" fmla="*/ 954986 w 3337560"/>
+              <a:gd name="connsiteY0" fmla="*/ 4456639 h 4702540"/>
+              <a:gd name="connsiteX1" fmla="*/ 0 w 3337560"/>
+              <a:gd name="connsiteY1" fmla="*/ 146686 h 4702540"/>
+              <a:gd name="connsiteX2" fmla="*/ 1909744 w 3337560"/>
+              <a:gd name="connsiteY2" fmla="*/ 0 h 4702540"/>
+              <a:gd name="connsiteX3" fmla="*/ 1576696 w 3337560"/>
+              <a:gd name="connsiteY3" fmla="*/ 3482339 h 4702540"/>
+              <a:gd name="connsiteX4" fmla="*/ 3038457 w 3337560"/>
+              <a:gd name="connsiteY4" fmla="*/ 2913378 h 4702540"/>
+              <a:gd name="connsiteX5" fmla="*/ 3337560 w 3337560"/>
+              <a:gd name="connsiteY5" fmla="*/ 4702540 h 4702540"/>
+              <a:gd name="connsiteX6" fmla="*/ 954986 w 3337560"/>
+              <a:gd name="connsiteY6" fmla="*/ 4456639 h 4702540"/>
+            </a:gdLst>
+            <a:ahLst/>
+            <a:cxnLst>
+              <a:cxn ang="0">
+                <a:pos x="connsiteX0" y="connsiteY0"/>
+              </a:cxn>
+              <a:cxn ang="0">
+                <a:pos x="connsiteX1" y="connsiteY1"/>
+              </a:cxn>
+              <a:cxn ang="0">
+                <a:pos x="connsiteX2" y="connsiteY2"/>
+              </a:cxn>
+              <a:cxn ang="0">
+                <a:pos x="connsiteX3" y="connsiteY3"/>
+              </a:cxn>
+              <a:cxn ang="0">
+                <a:pos x="connsiteX4" y="connsiteY4"/>
+              </a:cxn>
+              <a:cxn ang="0">
+                <a:pos x="connsiteX5" y="connsiteY5"/>
+              </a:cxn>
+              <a:cxn ang="0">
+                <a:pos x="connsiteX6" y="connsiteY6"/>
+              </a:cxn>
+            </a:cxnLst>
+            <a:rect l="l" t="t" r="r" b="b"/>
+            <a:pathLst>
+              <a:path w="3337560" h="4702540">
+                <a:moveTo>
+                  <a:pt x="954986" y="4456639"/>
+                </a:moveTo>
+                <a:lnTo>
+                  <a:pt x="0" y="146686"/>
+                </a:lnTo>
+                <a:lnTo>
+                  <a:pt x="1909744" y="0"/>
+                </a:lnTo>
+                <a:lnTo>
+                  <a:pt x="1576696" y="3482339"/>
+                </a:lnTo>
+                <a:lnTo>
+                  <a:pt x="3038457" y="2913378"/>
+                </a:lnTo>
+                <a:lnTo>
+                  <a:pt x="3337560" y="4702540"/>
+                </a:lnTo>
+                <a:lnTo>
+                  <a:pt x="954986" y="4456639"/>
+                </a:lnTo>
+                <a:close/>
+              </a:path>
+            </a:pathLst>
+          </a:custGeom>
+          <a:solidFill>
+            <a:schemeClr val="bg1">
+              <a:alpha val="99000"/>
+            </a:schemeClr>
+          </a:solidFill>
+          <a:ln>
+            <a:noFill/>
+          </a:ln>
+        </p:spPr>
+        <p:style>
+          <a:lnRef idx="2">
+            <a:schemeClr val="accent1">
+              <a:shade val="50000"/>
+            </a:schemeClr>
+          </a:lnRef>
+          <a:fillRef idx="1">
+            <a:schemeClr val="accent1"/>
+          </a:fillRef>
+          <a:effectRef idx="0">
+            <a:schemeClr val="accent1"/>
+          </a:effectRef>
+          <a:fontRef idx="minor">
+            <a:schemeClr val="lt1"/>
+          </a:fontRef>
+        </p:style>
+        <p:txBody>
+          <a:bodyPr rtlCol="0" anchor="ctr"/>
+          <a:lstStyle/>
+          <a:p>
+            <a:pPr algn="ctr"/>
+            <a:endParaRPr lang="en-IN" dirty="0"/>
+          </a:p>
+        </p:txBody>
+      </p:sp>
+      <p:sp>
+        <p:nvSpPr>
+          <p:cNvPr id="8" name="Rectangle 7">
+            <a:extLst>
+              <a:ext uri="{FF2B5EF4-FFF2-40B4-BE49-F238E27FC236}">
+                <a16:creationId xmlns:a16="http://schemas.microsoft.com/office/drawing/2014/main" id="{7A8D4C53-A459-6028-C368-0CBBD7D2C196}"/>
+              </a:ext>
+            </a:extLst>
+          </p:cNvPr>
+          <p:cNvSpPr/>
+          <p:nvPr/>
+        </p:nvSpPr>
+        <p:spPr>
+          <a:xfrm>
+            <a:off x="7868668" y="549000"/>
+            <a:ext cx="2880000" cy="2880000"/>
+          </a:xfrm>
+          <a:prstGeom prst="rect">
+            <a:avLst/>
+          </a:prstGeom>
+          <a:solidFill>
+            <a:srgbClr val="542CB7"/>
+          </a:solidFill>
+          <a:ln>
+            <a:noFill/>
+          </a:ln>
+        </p:spPr>
+        <p:style>
+          <a:lnRef idx="2">
+            <a:schemeClr val="accent1">
+              <a:shade val="50000"/>
+            </a:schemeClr>
+          </a:lnRef>
+          <a:fillRef idx="1">
+            <a:schemeClr val="accent1"/>
+          </a:fillRef>
+          <a:effectRef idx="0">
+            <a:schemeClr val="accent1"/>
+          </a:effectRef>
+          <a:fontRef idx="minor">
+            <a:schemeClr val="lt1"/>
+          </a:fontRef>
+        </p:style>
+        <p:txBody>
+          <a:bodyPr rtlCol="0" anchor="ctr"/>
+          <a:lstStyle/>
+          <a:p>
+            <a:pPr algn="ctr"/>
+            <a:endParaRPr lang="en-IN"/>
+          </a:p>
+        </p:txBody>
+      </p:sp>
+      <p:sp>
+        <p:nvSpPr>
+          <p:cNvPr id="9" name="Rectangle: Rounded Corners 8">
+            <a:extLst>
+              <a:ext uri="{FF2B5EF4-FFF2-40B4-BE49-F238E27FC236}">
+                <a16:creationId xmlns:a16="http://schemas.microsoft.com/office/drawing/2014/main" id="{BA6299A9-C93D-46B1-D652-BBAB4206ECB4}"/>
+              </a:ext>
+            </a:extLst>
+          </p:cNvPr>
+          <p:cNvSpPr/>
+          <p:nvPr/>
+        </p:nvSpPr>
+        <p:spPr>
+          <a:xfrm>
+            <a:off x="8423292" y="1103624"/>
+            <a:ext cx="1770753" cy="1770753"/>
+          </a:xfrm>
+          <a:prstGeom prst="roundRect">
+            <a:avLst>
+              <a:gd name="adj" fmla="val 6261"/>
+            </a:avLst>
+          </a:prstGeom>
+          <a:solidFill>
+            <a:srgbClr val="542CB7"/>
+          </a:solidFill>
+          <a:ln>
+            <a:noFill/>
+          </a:ln>
+        </p:spPr>
+        <p:style>
+          <a:lnRef idx="2">
+            <a:schemeClr val="accent1">
+              <a:shade val="50000"/>
+            </a:schemeClr>
+          </a:lnRef>
+          <a:fillRef idx="1">
+            <a:schemeClr val="accent1"/>
+          </a:fillRef>
+          <a:effectRef idx="0">
+            <a:schemeClr val="accent1"/>
+          </a:effectRef>
+          <a:fontRef idx="minor">
+            <a:schemeClr val="lt1"/>
+          </a:fontRef>
+        </p:style>
+        <p:txBody>
+          <a:bodyPr rtlCol="0" anchor="ctr"/>
+          <a:lstStyle/>
+          <a:p>
+            <a:pPr algn="ctr"/>
+            <a:endParaRPr lang="en-IN"/>
+          </a:p>
+        </p:txBody>
+      </p:sp>
+      <p:sp>
+        <p:nvSpPr>
+          <p:cNvPr id="10" name="Hexagon 10">
+            <a:extLst>
+              <a:ext uri="{FF2B5EF4-FFF2-40B4-BE49-F238E27FC236}">
+                <a16:creationId xmlns:a16="http://schemas.microsoft.com/office/drawing/2014/main" id="{54DAEA5A-1534-EA4C-F6A8-995D3192966B}"/>
+              </a:ext>
+            </a:extLst>
+          </p:cNvPr>
+          <p:cNvSpPr/>
+          <p:nvPr/>
+        </p:nvSpPr>
+        <p:spPr>
+          <a:xfrm>
+            <a:off x="8761448" y="1217979"/>
+            <a:ext cx="1094443" cy="1542044"/>
+          </a:xfrm>
+          <a:custGeom>
+            <a:avLst/>
+            <a:gdLst>
+              <a:gd name="connsiteX0" fmla="*/ 0 w 3238500"/>
+              <a:gd name="connsiteY0" fmla="*/ 1405890 h 2811780"/>
+              <a:gd name="connsiteX1" fmla="*/ 506739 w 3238500"/>
+              <a:gd name="connsiteY1" fmla="*/ 1 h 2811780"/>
+              <a:gd name="connsiteX2" fmla="*/ 2731761 w 3238500"/>
+              <a:gd name="connsiteY2" fmla="*/ 1 h 2811780"/>
+              <a:gd name="connsiteX3" fmla="*/ 3238500 w 3238500"/>
+              <a:gd name="connsiteY3" fmla="*/ 1405890 h 2811780"/>
+              <a:gd name="connsiteX4" fmla="*/ 2731761 w 3238500"/>
+              <a:gd name="connsiteY4" fmla="*/ 2811779 h 2811780"/>
+              <a:gd name="connsiteX5" fmla="*/ 506739 w 3238500"/>
+              <a:gd name="connsiteY5" fmla="*/ 2811779 h 2811780"/>
+              <a:gd name="connsiteX6" fmla="*/ 0 w 3238500"/>
+              <a:gd name="connsiteY6" fmla="*/ 1405890 h 2811780"/>
+              <a:gd name="connsiteX0" fmla="*/ 87621 w 3326121"/>
+              <a:gd name="connsiteY0" fmla="*/ 1802129 h 3208018"/>
+              <a:gd name="connsiteX1" fmla="*/ 0 w 3326121"/>
+              <a:gd name="connsiteY1" fmla="*/ 0 h 3208018"/>
+              <a:gd name="connsiteX2" fmla="*/ 2819382 w 3326121"/>
+              <a:gd name="connsiteY2" fmla="*/ 396240 h 3208018"/>
+              <a:gd name="connsiteX3" fmla="*/ 3326121 w 3326121"/>
+              <a:gd name="connsiteY3" fmla="*/ 1802129 h 3208018"/>
+              <a:gd name="connsiteX4" fmla="*/ 2819382 w 3326121"/>
+              <a:gd name="connsiteY4" fmla="*/ 3208018 h 3208018"/>
+              <a:gd name="connsiteX5" fmla="*/ 594360 w 3326121"/>
+              <a:gd name="connsiteY5" fmla="*/ 3208018 h 3208018"/>
+              <a:gd name="connsiteX6" fmla="*/ 87621 w 3326121"/>
+              <a:gd name="connsiteY6" fmla="*/ 1802129 h 3208018"/>
+              <a:gd name="connsiteX0" fmla="*/ 94765 w 3333265"/>
+              <a:gd name="connsiteY0" fmla="*/ 1823560 h 3229449"/>
+              <a:gd name="connsiteX1" fmla="*/ 0 w 3333265"/>
+              <a:gd name="connsiteY1" fmla="*/ 0 h 3229449"/>
+              <a:gd name="connsiteX2" fmla="*/ 2826526 w 3333265"/>
+              <a:gd name="connsiteY2" fmla="*/ 417671 h 3229449"/>
+              <a:gd name="connsiteX3" fmla="*/ 3333265 w 3333265"/>
+              <a:gd name="connsiteY3" fmla="*/ 1823560 h 3229449"/>
+              <a:gd name="connsiteX4" fmla="*/ 2826526 w 3333265"/>
+              <a:gd name="connsiteY4" fmla="*/ 3229449 h 3229449"/>
+              <a:gd name="connsiteX5" fmla="*/ 601504 w 3333265"/>
+              <a:gd name="connsiteY5" fmla="*/ 3229449 h 3229449"/>
+              <a:gd name="connsiteX6" fmla="*/ 94765 w 3333265"/>
+              <a:gd name="connsiteY6" fmla="*/ 1823560 h 3229449"/>
+              <a:gd name="connsiteX0" fmla="*/ 99527 w 3338027"/>
+              <a:gd name="connsiteY0" fmla="*/ 1828322 h 3234211"/>
+              <a:gd name="connsiteX1" fmla="*/ 0 w 3338027"/>
+              <a:gd name="connsiteY1" fmla="*/ 0 h 3234211"/>
+              <a:gd name="connsiteX2" fmla="*/ 2831288 w 3338027"/>
+              <a:gd name="connsiteY2" fmla="*/ 422433 h 3234211"/>
+              <a:gd name="connsiteX3" fmla="*/ 3338027 w 3338027"/>
+              <a:gd name="connsiteY3" fmla="*/ 1828322 h 3234211"/>
+              <a:gd name="connsiteX4" fmla="*/ 2831288 w 3338027"/>
+              <a:gd name="connsiteY4" fmla="*/ 3234211 h 3234211"/>
+              <a:gd name="connsiteX5" fmla="*/ 606266 w 3338027"/>
+              <a:gd name="connsiteY5" fmla="*/ 3234211 h 3234211"/>
+              <a:gd name="connsiteX6" fmla="*/ 99527 w 3338027"/>
+              <a:gd name="connsiteY6" fmla="*/ 1828322 h 3234211"/>
+              <a:gd name="connsiteX0" fmla="*/ 99527 w 3338027"/>
+              <a:gd name="connsiteY0" fmla="*/ 1977389 h 3383278"/>
+              <a:gd name="connsiteX1" fmla="*/ 0 w 3338027"/>
+              <a:gd name="connsiteY1" fmla="*/ 149067 h 3383278"/>
+              <a:gd name="connsiteX2" fmla="*/ 1912125 w 3338027"/>
+              <a:gd name="connsiteY2" fmla="*/ 0 h 3383278"/>
+              <a:gd name="connsiteX3" fmla="*/ 3338027 w 3338027"/>
+              <a:gd name="connsiteY3" fmla="*/ 1977389 h 3383278"/>
+              <a:gd name="connsiteX4" fmla="*/ 2831288 w 3338027"/>
+              <a:gd name="connsiteY4" fmla="*/ 3383278 h 3383278"/>
+              <a:gd name="connsiteX5" fmla="*/ 606266 w 3338027"/>
+              <a:gd name="connsiteY5" fmla="*/ 3383278 h 3383278"/>
+              <a:gd name="connsiteX6" fmla="*/ 99527 w 3338027"/>
+              <a:gd name="connsiteY6" fmla="*/ 1977389 h 3383278"/>
+              <a:gd name="connsiteX0" fmla="*/ 97146 w 3335646"/>
+              <a:gd name="connsiteY0" fmla="*/ 1977389 h 3383278"/>
+              <a:gd name="connsiteX1" fmla="*/ 0 w 3335646"/>
+              <a:gd name="connsiteY1" fmla="*/ 146686 h 3383278"/>
+              <a:gd name="connsiteX2" fmla="*/ 1909744 w 3335646"/>
+              <a:gd name="connsiteY2" fmla="*/ 0 h 3383278"/>
+              <a:gd name="connsiteX3" fmla="*/ 3335646 w 3335646"/>
+              <a:gd name="connsiteY3" fmla="*/ 1977389 h 3383278"/>
+              <a:gd name="connsiteX4" fmla="*/ 2828907 w 3335646"/>
+              <a:gd name="connsiteY4" fmla="*/ 3383278 h 3383278"/>
+              <a:gd name="connsiteX5" fmla="*/ 603885 w 3335646"/>
+              <a:gd name="connsiteY5" fmla="*/ 3383278 h 3383278"/>
+              <a:gd name="connsiteX6" fmla="*/ 97146 w 3335646"/>
+              <a:gd name="connsiteY6" fmla="*/ 1977389 h 3383278"/>
+              <a:gd name="connsiteX0" fmla="*/ 97146 w 3347085"/>
+              <a:gd name="connsiteY0" fmla="*/ 1977389 h 4750165"/>
+              <a:gd name="connsiteX1" fmla="*/ 0 w 3347085"/>
+              <a:gd name="connsiteY1" fmla="*/ 146686 h 4750165"/>
+              <a:gd name="connsiteX2" fmla="*/ 1909744 w 3347085"/>
+              <a:gd name="connsiteY2" fmla="*/ 0 h 4750165"/>
+              <a:gd name="connsiteX3" fmla="*/ 3335646 w 3347085"/>
+              <a:gd name="connsiteY3" fmla="*/ 1977389 h 4750165"/>
+              <a:gd name="connsiteX4" fmla="*/ 2828907 w 3347085"/>
+              <a:gd name="connsiteY4" fmla="*/ 3383278 h 4750165"/>
+              <a:gd name="connsiteX5" fmla="*/ 3347085 w 3347085"/>
+              <a:gd name="connsiteY5" fmla="*/ 4750165 h 4750165"/>
+              <a:gd name="connsiteX6" fmla="*/ 97146 w 3347085"/>
+              <a:gd name="connsiteY6" fmla="*/ 1977389 h 4750165"/>
+              <a:gd name="connsiteX0" fmla="*/ 954986 w 3347085"/>
+              <a:gd name="connsiteY0" fmla="*/ 4456639 h 4750165"/>
+              <a:gd name="connsiteX1" fmla="*/ 0 w 3347085"/>
+              <a:gd name="connsiteY1" fmla="*/ 146686 h 4750165"/>
+              <a:gd name="connsiteX2" fmla="*/ 1909744 w 3347085"/>
+              <a:gd name="connsiteY2" fmla="*/ 0 h 4750165"/>
+              <a:gd name="connsiteX3" fmla="*/ 3335646 w 3347085"/>
+              <a:gd name="connsiteY3" fmla="*/ 1977389 h 4750165"/>
+              <a:gd name="connsiteX4" fmla="*/ 2828907 w 3347085"/>
+              <a:gd name="connsiteY4" fmla="*/ 3383278 h 4750165"/>
+              <a:gd name="connsiteX5" fmla="*/ 3347085 w 3347085"/>
+              <a:gd name="connsiteY5" fmla="*/ 4750165 h 4750165"/>
+              <a:gd name="connsiteX6" fmla="*/ 954986 w 3347085"/>
+              <a:gd name="connsiteY6" fmla="*/ 4456639 h 4750165"/>
+              <a:gd name="connsiteX0" fmla="*/ 954986 w 3337560"/>
+              <a:gd name="connsiteY0" fmla="*/ 4456639 h 4702540"/>
+              <a:gd name="connsiteX1" fmla="*/ 0 w 3337560"/>
+              <a:gd name="connsiteY1" fmla="*/ 146686 h 4702540"/>
+              <a:gd name="connsiteX2" fmla="*/ 1909744 w 3337560"/>
+              <a:gd name="connsiteY2" fmla="*/ 0 h 4702540"/>
+              <a:gd name="connsiteX3" fmla="*/ 3335646 w 3337560"/>
+              <a:gd name="connsiteY3" fmla="*/ 1977389 h 4702540"/>
+              <a:gd name="connsiteX4" fmla="*/ 2828907 w 3337560"/>
+              <a:gd name="connsiteY4" fmla="*/ 3383278 h 4702540"/>
+              <a:gd name="connsiteX5" fmla="*/ 3337560 w 3337560"/>
+              <a:gd name="connsiteY5" fmla="*/ 4702540 h 4702540"/>
+              <a:gd name="connsiteX6" fmla="*/ 954986 w 3337560"/>
+              <a:gd name="connsiteY6" fmla="*/ 4456639 h 4702540"/>
+              <a:gd name="connsiteX0" fmla="*/ 954986 w 3337560"/>
+              <a:gd name="connsiteY0" fmla="*/ 4456639 h 4702540"/>
+              <a:gd name="connsiteX1" fmla="*/ 0 w 3337560"/>
+              <a:gd name="connsiteY1" fmla="*/ 146686 h 4702540"/>
+              <a:gd name="connsiteX2" fmla="*/ 1909744 w 3337560"/>
+              <a:gd name="connsiteY2" fmla="*/ 0 h 4702540"/>
+              <a:gd name="connsiteX3" fmla="*/ 3335646 w 3337560"/>
+              <a:gd name="connsiteY3" fmla="*/ 1977389 h 4702540"/>
+              <a:gd name="connsiteX4" fmla="*/ 3038457 w 3337560"/>
+              <a:gd name="connsiteY4" fmla="*/ 2913378 h 4702540"/>
+              <a:gd name="connsiteX5" fmla="*/ 3337560 w 3337560"/>
+              <a:gd name="connsiteY5" fmla="*/ 4702540 h 4702540"/>
+              <a:gd name="connsiteX6" fmla="*/ 954986 w 3337560"/>
+              <a:gd name="connsiteY6" fmla="*/ 4456639 h 4702540"/>
+              <a:gd name="connsiteX0" fmla="*/ 954986 w 3337560"/>
+              <a:gd name="connsiteY0" fmla="*/ 4456639 h 4702540"/>
+              <a:gd name="connsiteX1" fmla="*/ 0 w 3337560"/>
+              <a:gd name="connsiteY1" fmla="*/ 146686 h 4702540"/>
+              <a:gd name="connsiteX2" fmla="*/ 1909744 w 3337560"/>
+              <a:gd name="connsiteY2" fmla="*/ 0 h 4702540"/>
+              <a:gd name="connsiteX3" fmla="*/ 1576696 w 3337560"/>
+              <a:gd name="connsiteY3" fmla="*/ 3482339 h 4702540"/>
+              <a:gd name="connsiteX4" fmla="*/ 3038457 w 3337560"/>
+              <a:gd name="connsiteY4" fmla="*/ 2913378 h 4702540"/>
+              <a:gd name="connsiteX5" fmla="*/ 3337560 w 3337560"/>
+              <a:gd name="connsiteY5" fmla="*/ 4702540 h 4702540"/>
+              <a:gd name="connsiteX6" fmla="*/ 954986 w 3337560"/>
+              <a:gd name="connsiteY6" fmla="*/ 4456639 h 4702540"/>
+            </a:gdLst>
+            <a:ahLst/>
+            <a:cxnLst>
+              <a:cxn ang="0">
+                <a:pos x="connsiteX0" y="connsiteY0"/>
+              </a:cxn>
+              <a:cxn ang="0">
+                <a:pos x="connsiteX1" y="connsiteY1"/>
+              </a:cxn>
+              <a:cxn ang="0">
+                <a:pos x="connsiteX2" y="connsiteY2"/>
+              </a:cxn>
+              <a:cxn ang="0">
+                <a:pos x="connsiteX3" y="connsiteY3"/>
+              </a:cxn>
+              <a:cxn ang="0">
+                <a:pos x="connsiteX4" y="connsiteY4"/>
+              </a:cxn>
+              <a:cxn ang="0">
+                <a:pos x="connsiteX5" y="connsiteY5"/>
+              </a:cxn>
+              <a:cxn ang="0">
+                <a:pos x="connsiteX6" y="connsiteY6"/>
+              </a:cxn>
+            </a:cxnLst>
+            <a:rect l="l" t="t" r="r" b="b"/>
+            <a:pathLst>
+              <a:path w="3337560" h="4702540">
+                <a:moveTo>
+                  <a:pt x="954986" y="4456639"/>
+                </a:moveTo>
+                <a:lnTo>
+                  <a:pt x="0" y="146686"/>
+                </a:lnTo>
+                <a:lnTo>
+                  <a:pt x="1909744" y="0"/>
+                </a:lnTo>
+                <a:lnTo>
+                  <a:pt x="1576696" y="3482339"/>
+                </a:lnTo>
+                <a:lnTo>
+                  <a:pt x="3038457" y="2913378"/>
+                </a:lnTo>
+                <a:lnTo>
+                  <a:pt x="3337560" y="4702540"/>
+                </a:lnTo>
+                <a:lnTo>
+                  <a:pt x="954986" y="4456639"/>
+                </a:lnTo>
+                <a:close/>
+              </a:path>
+            </a:pathLst>
+          </a:custGeom>
+          <a:solidFill>
+            <a:schemeClr val="bg1">
+              <a:alpha val="99000"/>
+            </a:schemeClr>
+          </a:solidFill>
+          <a:ln>
+            <a:noFill/>
+          </a:ln>
+        </p:spPr>
+        <p:style>
+          <a:lnRef idx="2">
+            <a:schemeClr val="accent1">
+              <a:shade val="50000"/>
+            </a:schemeClr>
+          </a:lnRef>
+          <a:fillRef idx="1">
+            <a:schemeClr val="accent1"/>
+          </a:fillRef>
+          <a:effectRef idx="0">
+            <a:schemeClr val="accent1"/>
+          </a:effectRef>
+          <a:fontRef idx="minor">
+            <a:schemeClr val="lt1"/>
+          </a:fontRef>
+        </p:style>
+        <p:txBody>
+          <a:bodyPr rtlCol="0" anchor="ctr"/>
+          <a:lstStyle/>
+          <a:p>
+            <a:pPr algn="ctr"/>
+            <a:endParaRPr lang="en-IN" dirty="0"/>
+          </a:p>
+        </p:txBody>
+      </p:sp>
+      <p:sp>
+        <p:nvSpPr>
+          <p:cNvPr id="15" name="Rectangle 14">
+            <a:extLst>
+              <a:ext uri="{FF2B5EF4-FFF2-40B4-BE49-F238E27FC236}">
+                <a16:creationId xmlns:a16="http://schemas.microsoft.com/office/drawing/2014/main" id="{961A5DA8-CB86-D1C0-56F5-0A5D4D275331}"/>
+              </a:ext>
+            </a:extLst>
+          </p:cNvPr>
+          <p:cNvSpPr/>
+          <p:nvPr/>
+        </p:nvSpPr>
+        <p:spPr>
+          <a:xfrm>
+            <a:off x="1320101" y="3682725"/>
+            <a:ext cx="2880000" cy="2880000"/>
+          </a:xfrm>
+          <a:prstGeom prst="rect">
+            <a:avLst/>
+          </a:prstGeom>
+          <a:solidFill>
+            <a:schemeClr val="bg1"/>
+          </a:solidFill>
+          <a:ln>
+            <a:noFill/>
+          </a:ln>
+        </p:spPr>
+        <p:style>
+          <a:lnRef idx="2">
+            <a:schemeClr val="accent1">
+              <a:shade val="50000"/>
+            </a:schemeClr>
+          </a:lnRef>
+          <a:fillRef idx="1">
+            <a:schemeClr val="accent1"/>
+          </a:fillRef>
+          <a:effectRef idx="0">
+            <a:schemeClr val="accent1"/>
+          </a:effectRef>
+          <a:fontRef idx="minor">
+            <a:schemeClr val="lt1"/>
+          </a:fontRef>
+        </p:style>
+        <p:txBody>
+          <a:bodyPr rtlCol="0" anchor="ctr"/>
+          <a:lstStyle/>
+          <a:p>
+            <a:pPr algn="ctr"/>
+            <a:endParaRPr lang="en-IN"/>
+          </a:p>
+        </p:txBody>
+      </p:sp>
+      <p:sp>
+        <p:nvSpPr>
+          <p:cNvPr id="17" name="Hexagon 10">
+            <a:extLst>
+              <a:ext uri="{FF2B5EF4-FFF2-40B4-BE49-F238E27FC236}">
+                <a16:creationId xmlns:a16="http://schemas.microsoft.com/office/drawing/2014/main" id="{4414C7AF-4E67-D739-9588-D951C72A536F}"/>
+              </a:ext>
+            </a:extLst>
+          </p:cNvPr>
+          <p:cNvSpPr/>
+          <p:nvPr/>
+        </p:nvSpPr>
+        <p:spPr>
+          <a:xfrm>
+            <a:off x="2212881" y="4351704"/>
+            <a:ext cx="1094443" cy="1542044"/>
+          </a:xfrm>
+          <a:custGeom>
+            <a:avLst/>
+            <a:gdLst>
+              <a:gd name="connsiteX0" fmla="*/ 0 w 3238500"/>
+              <a:gd name="connsiteY0" fmla="*/ 1405890 h 2811780"/>
+              <a:gd name="connsiteX1" fmla="*/ 506739 w 3238500"/>
+              <a:gd name="connsiteY1" fmla="*/ 1 h 2811780"/>
+              <a:gd name="connsiteX2" fmla="*/ 2731761 w 3238500"/>
+              <a:gd name="connsiteY2" fmla="*/ 1 h 2811780"/>
+              <a:gd name="connsiteX3" fmla="*/ 3238500 w 3238500"/>
+              <a:gd name="connsiteY3" fmla="*/ 1405890 h 2811780"/>
+              <a:gd name="connsiteX4" fmla="*/ 2731761 w 3238500"/>
+              <a:gd name="connsiteY4" fmla="*/ 2811779 h 2811780"/>
+              <a:gd name="connsiteX5" fmla="*/ 506739 w 3238500"/>
+              <a:gd name="connsiteY5" fmla="*/ 2811779 h 2811780"/>
+              <a:gd name="connsiteX6" fmla="*/ 0 w 3238500"/>
+              <a:gd name="connsiteY6" fmla="*/ 1405890 h 2811780"/>
+              <a:gd name="connsiteX0" fmla="*/ 87621 w 3326121"/>
+              <a:gd name="connsiteY0" fmla="*/ 1802129 h 3208018"/>
+              <a:gd name="connsiteX1" fmla="*/ 0 w 3326121"/>
+              <a:gd name="connsiteY1" fmla="*/ 0 h 3208018"/>
+              <a:gd name="connsiteX2" fmla="*/ 2819382 w 3326121"/>
+              <a:gd name="connsiteY2" fmla="*/ 396240 h 3208018"/>
+              <a:gd name="connsiteX3" fmla="*/ 3326121 w 3326121"/>
+              <a:gd name="connsiteY3" fmla="*/ 1802129 h 3208018"/>
+              <a:gd name="connsiteX4" fmla="*/ 2819382 w 3326121"/>
+              <a:gd name="connsiteY4" fmla="*/ 3208018 h 3208018"/>
+              <a:gd name="connsiteX5" fmla="*/ 594360 w 3326121"/>
+              <a:gd name="connsiteY5" fmla="*/ 3208018 h 3208018"/>
+              <a:gd name="connsiteX6" fmla="*/ 87621 w 3326121"/>
+              <a:gd name="connsiteY6" fmla="*/ 1802129 h 3208018"/>
+              <a:gd name="connsiteX0" fmla="*/ 94765 w 3333265"/>
+              <a:gd name="connsiteY0" fmla="*/ 1823560 h 3229449"/>
+              <a:gd name="connsiteX1" fmla="*/ 0 w 3333265"/>
+              <a:gd name="connsiteY1" fmla="*/ 0 h 3229449"/>
+              <a:gd name="connsiteX2" fmla="*/ 2826526 w 3333265"/>
+              <a:gd name="connsiteY2" fmla="*/ 417671 h 3229449"/>
+              <a:gd name="connsiteX3" fmla="*/ 3333265 w 3333265"/>
+              <a:gd name="connsiteY3" fmla="*/ 1823560 h 3229449"/>
+              <a:gd name="connsiteX4" fmla="*/ 2826526 w 3333265"/>
+              <a:gd name="connsiteY4" fmla="*/ 3229449 h 3229449"/>
+              <a:gd name="connsiteX5" fmla="*/ 601504 w 3333265"/>
+              <a:gd name="connsiteY5" fmla="*/ 3229449 h 3229449"/>
+              <a:gd name="connsiteX6" fmla="*/ 94765 w 3333265"/>
+              <a:gd name="connsiteY6" fmla="*/ 1823560 h 3229449"/>
+              <a:gd name="connsiteX0" fmla="*/ 99527 w 3338027"/>
+              <a:gd name="connsiteY0" fmla="*/ 1828322 h 3234211"/>
+              <a:gd name="connsiteX1" fmla="*/ 0 w 3338027"/>
+              <a:gd name="connsiteY1" fmla="*/ 0 h 3234211"/>
+              <a:gd name="connsiteX2" fmla="*/ 2831288 w 3338027"/>
+              <a:gd name="connsiteY2" fmla="*/ 422433 h 3234211"/>
+              <a:gd name="connsiteX3" fmla="*/ 3338027 w 3338027"/>
+              <a:gd name="connsiteY3" fmla="*/ 1828322 h 3234211"/>
+              <a:gd name="connsiteX4" fmla="*/ 2831288 w 3338027"/>
+              <a:gd name="connsiteY4" fmla="*/ 3234211 h 3234211"/>
+              <a:gd name="connsiteX5" fmla="*/ 606266 w 3338027"/>
+              <a:gd name="connsiteY5" fmla="*/ 3234211 h 3234211"/>
+              <a:gd name="connsiteX6" fmla="*/ 99527 w 3338027"/>
+              <a:gd name="connsiteY6" fmla="*/ 1828322 h 3234211"/>
+              <a:gd name="connsiteX0" fmla="*/ 99527 w 3338027"/>
+              <a:gd name="connsiteY0" fmla="*/ 1977389 h 3383278"/>
+              <a:gd name="connsiteX1" fmla="*/ 0 w 3338027"/>
+              <a:gd name="connsiteY1" fmla="*/ 149067 h 3383278"/>
+              <a:gd name="connsiteX2" fmla="*/ 1912125 w 3338027"/>
+              <a:gd name="connsiteY2" fmla="*/ 0 h 3383278"/>
+              <a:gd name="connsiteX3" fmla="*/ 3338027 w 3338027"/>
+              <a:gd name="connsiteY3" fmla="*/ 1977389 h 3383278"/>
+              <a:gd name="connsiteX4" fmla="*/ 2831288 w 3338027"/>
+              <a:gd name="connsiteY4" fmla="*/ 3383278 h 3383278"/>
+              <a:gd name="connsiteX5" fmla="*/ 606266 w 3338027"/>
+              <a:gd name="connsiteY5" fmla="*/ 3383278 h 3383278"/>
+              <a:gd name="connsiteX6" fmla="*/ 99527 w 3338027"/>
+              <a:gd name="connsiteY6" fmla="*/ 1977389 h 3383278"/>
+              <a:gd name="connsiteX0" fmla="*/ 97146 w 3335646"/>
+              <a:gd name="connsiteY0" fmla="*/ 1977389 h 3383278"/>
+              <a:gd name="connsiteX1" fmla="*/ 0 w 3335646"/>
+              <a:gd name="connsiteY1" fmla="*/ 146686 h 3383278"/>
+              <a:gd name="connsiteX2" fmla="*/ 1909744 w 3335646"/>
+              <a:gd name="connsiteY2" fmla="*/ 0 h 3383278"/>
+              <a:gd name="connsiteX3" fmla="*/ 3335646 w 3335646"/>
+              <a:gd name="connsiteY3" fmla="*/ 1977389 h 3383278"/>
+              <a:gd name="connsiteX4" fmla="*/ 2828907 w 3335646"/>
+              <a:gd name="connsiteY4" fmla="*/ 3383278 h 3383278"/>
+              <a:gd name="connsiteX5" fmla="*/ 603885 w 3335646"/>
+              <a:gd name="connsiteY5" fmla="*/ 3383278 h 3383278"/>
+              <a:gd name="connsiteX6" fmla="*/ 97146 w 3335646"/>
+              <a:gd name="connsiteY6" fmla="*/ 1977389 h 3383278"/>
+              <a:gd name="connsiteX0" fmla="*/ 97146 w 3347085"/>
+              <a:gd name="connsiteY0" fmla="*/ 1977389 h 4750165"/>
+              <a:gd name="connsiteX1" fmla="*/ 0 w 3347085"/>
+              <a:gd name="connsiteY1" fmla="*/ 146686 h 4750165"/>
+              <a:gd name="connsiteX2" fmla="*/ 1909744 w 3347085"/>
+              <a:gd name="connsiteY2" fmla="*/ 0 h 4750165"/>
+              <a:gd name="connsiteX3" fmla="*/ 3335646 w 3347085"/>
+              <a:gd name="connsiteY3" fmla="*/ 1977389 h 4750165"/>
+              <a:gd name="connsiteX4" fmla="*/ 2828907 w 3347085"/>
+              <a:gd name="connsiteY4" fmla="*/ 3383278 h 4750165"/>
+              <a:gd name="connsiteX5" fmla="*/ 3347085 w 3347085"/>
+              <a:gd name="connsiteY5" fmla="*/ 4750165 h 4750165"/>
+              <a:gd name="connsiteX6" fmla="*/ 97146 w 3347085"/>
+              <a:gd name="connsiteY6" fmla="*/ 1977389 h 4750165"/>
+              <a:gd name="connsiteX0" fmla="*/ 954986 w 3347085"/>
+              <a:gd name="connsiteY0" fmla="*/ 4456639 h 4750165"/>
+              <a:gd name="connsiteX1" fmla="*/ 0 w 3347085"/>
+              <a:gd name="connsiteY1" fmla="*/ 146686 h 4750165"/>
+              <a:gd name="connsiteX2" fmla="*/ 1909744 w 3347085"/>
+              <a:gd name="connsiteY2" fmla="*/ 0 h 4750165"/>
+              <a:gd name="connsiteX3" fmla="*/ 3335646 w 3347085"/>
+              <a:gd name="connsiteY3" fmla="*/ 1977389 h 4750165"/>
+              <a:gd name="connsiteX4" fmla="*/ 2828907 w 3347085"/>
+              <a:gd name="connsiteY4" fmla="*/ 3383278 h 4750165"/>
+              <a:gd name="connsiteX5" fmla="*/ 3347085 w 3347085"/>
+              <a:gd name="connsiteY5" fmla="*/ 4750165 h 4750165"/>
+              <a:gd name="connsiteX6" fmla="*/ 954986 w 3347085"/>
+              <a:gd name="connsiteY6" fmla="*/ 4456639 h 4750165"/>
+              <a:gd name="connsiteX0" fmla="*/ 954986 w 3337560"/>
+              <a:gd name="connsiteY0" fmla="*/ 4456639 h 4702540"/>
+              <a:gd name="connsiteX1" fmla="*/ 0 w 3337560"/>
+              <a:gd name="connsiteY1" fmla="*/ 146686 h 4702540"/>
+              <a:gd name="connsiteX2" fmla="*/ 1909744 w 3337560"/>
+              <a:gd name="connsiteY2" fmla="*/ 0 h 4702540"/>
+              <a:gd name="connsiteX3" fmla="*/ 3335646 w 3337560"/>
+              <a:gd name="connsiteY3" fmla="*/ 1977389 h 4702540"/>
+              <a:gd name="connsiteX4" fmla="*/ 2828907 w 3337560"/>
+              <a:gd name="connsiteY4" fmla="*/ 3383278 h 4702540"/>
+              <a:gd name="connsiteX5" fmla="*/ 3337560 w 3337560"/>
+              <a:gd name="connsiteY5" fmla="*/ 4702540 h 4702540"/>
+              <a:gd name="connsiteX6" fmla="*/ 954986 w 3337560"/>
+              <a:gd name="connsiteY6" fmla="*/ 4456639 h 4702540"/>
+              <a:gd name="connsiteX0" fmla="*/ 954986 w 3337560"/>
+              <a:gd name="connsiteY0" fmla="*/ 4456639 h 4702540"/>
+              <a:gd name="connsiteX1" fmla="*/ 0 w 3337560"/>
+              <a:gd name="connsiteY1" fmla="*/ 146686 h 4702540"/>
+              <a:gd name="connsiteX2" fmla="*/ 1909744 w 3337560"/>
+              <a:gd name="connsiteY2" fmla="*/ 0 h 4702540"/>
+              <a:gd name="connsiteX3" fmla="*/ 3335646 w 3337560"/>
+              <a:gd name="connsiteY3" fmla="*/ 1977389 h 4702540"/>
+              <a:gd name="connsiteX4" fmla="*/ 3038457 w 3337560"/>
+              <a:gd name="connsiteY4" fmla="*/ 2913378 h 4702540"/>
+              <a:gd name="connsiteX5" fmla="*/ 3337560 w 3337560"/>
+              <a:gd name="connsiteY5" fmla="*/ 4702540 h 4702540"/>
+              <a:gd name="connsiteX6" fmla="*/ 954986 w 3337560"/>
+              <a:gd name="connsiteY6" fmla="*/ 4456639 h 4702540"/>
+              <a:gd name="connsiteX0" fmla="*/ 954986 w 3337560"/>
+              <a:gd name="connsiteY0" fmla="*/ 4456639 h 4702540"/>
+              <a:gd name="connsiteX1" fmla="*/ 0 w 3337560"/>
+              <a:gd name="connsiteY1" fmla="*/ 146686 h 4702540"/>
+              <a:gd name="connsiteX2" fmla="*/ 1909744 w 3337560"/>
+              <a:gd name="connsiteY2" fmla="*/ 0 h 4702540"/>
+              <a:gd name="connsiteX3" fmla="*/ 1576696 w 3337560"/>
+              <a:gd name="connsiteY3" fmla="*/ 3482339 h 4702540"/>
+              <a:gd name="connsiteX4" fmla="*/ 3038457 w 3337560"/>
+              <a:gd name="connsiteY4" fmla="*/ 2913378 h 4702540"/>
+              <a:gd name="connsiteX5" fmla="*/ 3337560 w 3337560"/>
+              <a:gd name="connsiteY5" fmla="*/ 4702540 h 4702540"/>
+              <a:gd name="connsiteX6" fmla="*/ 954986 w 3337560"/>
+              <a:gd name="connsiteY6" fmla="*/ 4456639 h 4702540"/>
+            </a:gdLst>
+            <a:ahLst/>
+            <a:cxnLst>
+              <a:cxn ang="0">
+                <a:pos x="connsiteX0" y="connsiteY0"/>
+              </a:cxn>
+              <a:cxn ang="0">
+                <a:pos x="connsiteX1" y="connsiteY1"/>
+              </a:cxn>
+              <a:cxn ang="0">
+                <a:pos x="connsiteX2" y="connsiteY2"/>
+              </a:cxn>
+              <a:cxn ang="0">
+                <a:pos x="connsiteX3" y="connsiteY3"/>
+              </a:cxn>
+              <a:cxn ang="0">
+                <a:pos x="connsiteX4" y="connsiteY4"/>
+              </a:cxn>
+              <a:cxn ang="0">
+                <a:pos x="connsiteX5" y="connsiteY5"/>
+              </a:cxn>
+              <a:cxn ang="0">
+                <a:pos x="connsiteX6" y="connsiteY6"/>
+              </a:cxn>
+            </a:cxnLst>
+            <a:rect l="l" t="t" r="r" b="b"/>
+            <a:pathLst>
+              <a:path w="3337560" h="4702540">
+                <a:moveTo>
+                  <a:pt x="954986" y="4456639"/>
+                </a:moveTo>
+                <a:lnTo>
+                  <a:pt x="0" y="146686"/>
+                </a:lnTo>
+                <a:lnTo>
+                  <a:pt x="1909744" y="0"/>
+                </a:lnTo>
+                <a:lnTo>
+                  <a:pt x="1576696" y="3482339"/>
+                </a:lnTo>
+                <a:lnTo>
+                  <a:pt x="3038457" y="2913378"/>
+                </a:lnTo>
+                <a:lnTo>
+                  <a:pt x="3337560" y="4702540"/>
+                </a:lnTo>
+                <a:lnTo>
+                  <a:pt x="954986" y="4456639"/>
+                </a:lnTo>
+                <a:close/>
+              </a:path>
+            </a:pathLst>
+          </a:custGeom>
+          <a:solidFill>
+            <a:srgbClr val="542CB7">
+              <a:alpha val="99000"/>
+            </a:srgbClr>
+          </a:solidFill>
+          <a:ln>
+            <a:noFill/>
+          </a:ln>
+        </p:spPr>
+        <p:style>
+          <a:lnRef idx="2">
+            <a:schemeClr val="accent1">
+              <a:shade val="50000"/>
+            </a:schemeClr>
+          </a:lnRef>
+          <a:fillRef idx="1">
+            <a:schemeClr val="accent1"/>
+          </a:fillRef>
+          <a:effectRef idx="0">
+            <a:schemeClr val="accent1"/>
+          </a:effectRef>
+          <a:fontRef idx="minor">
+            <a:schemeClr val="lt1"/>
+          </a:fontRef>
+        </p:style>
+        <p:txBody>
+          <a:bodyPr rtlCol="0" anchor="ctr"/>
+          <a:lstStyle/>
+          <a:p>
+            <a:pPr algn="ctr"/>
+            <a:endParaRPr lang="en-IN" dirty="0"/>
+          </a:p>
+        </p:txBody>
+      </p:sp>
+    </p:spTree>
+    <p:extLst>
+      <p:ext uri="{BB962C8B-B14F-4D97-AF65-F5344CB8AC3E}">
+        <p14:creationId xmlns:p14="http://schemas.microsoft.com/office/powerpoint/2010/main" val="491293855"/>
+      </p:ext>
+    </p:extLst>
+  </p:cSld>
+  <p:clrMapOvr>
+    <a:masterClrMapping/>
+  </p:clrMapOvr>
+</p:sld>
+</file>
+
+<file path=ppt/slides/slide11.xml><?xml version="1.0" encoding="utf-8"?>
 <p:sld xmlns:a="http://schemas.openxmlformats.org/drawingml/2006/main" xmlns:r="http://schemas.openxmlformats.org/officeDocument/2006/relationships" xmlns:p="http://schemas.openxmlformats.org/presentationml/2006/main">
   <p:cSld>
     <p:spTree>
@@ -6234,6 +7689,441 @@
 <file path=ppt/slides/slide8.xml><?xml version="1.0" encoding="utf-8"?>
 <p:sld xmlns:a="http://schemas.openxmlformats.org/drawingml/2006/main" xmlns:r="http://schemas.openxmlformats.org/officeDocument/2006/relationships" xmlns:p="http://schemas.openxmlformats.org/presentationml/2006/main">
   <p:cSld>
+    <p:spTree>
+      <p:nvGrpSpPr>
+        <p:cNvPr id="1" name=""/>
+        <p:cNvGrpSpPr/>
+        <p:nvPr/>
+      </p:nvGrpSpPr>
+      <p:grpSpPr>
+        <a:xfrm>
+          <a:off x="0" y="0"/>
+          <a:ext cx="0" cy="0"/>
+          <a:chOff x="0" y="0"/>
+          <a:chExt cx="0" cy="0"/>
+        </a:xfrm>
+      </p:grpSpPr>
+      <p:grpSp>
+        <p:nvGrpSpPr>
+          <p:cNvPr id="7" name="Group 6">
+            <a:extLst>
+              <a:ext uri="{FF2B5EF4-FFF2-40B4-BE49-F238E27FC236}">
+                <a16:creationId xmlns:a16="http://schemas.microsoft.com/office/drawing/2014/main" id="{129BF626-41D2-96F0-34D6-5823E8EA3BD7}"/>
+              </a:ext>
+            </a:extLst>
+          </p:cNvPr>
+          <p:cNvGrpSpPr/>
+          <p:nvPr/>
+        </p:nvGrpSpPr>
+        <p:grpSpPr>
+          <a:xfrm>
+            <a:off x="2615950" y="1920895"/>
+            <a:ext cx="6985304" cy="3016210"/>
+            <a:chOff x="2615950" y="1920895"/>
+            <a:chExt cx="6985304" cy="3016210"/>
+          </a:xfrm>
+          <a:solidFill>
+            <a:srgbClr val="542CB7"/>
+          </a:solidFill>
+        </p:grpSpPr>
+        <p:grpSp>
+          <p:nvGrpSpPr>
+            <p:cNvPr id="4" name="Group 3">
+              <a:extLst>
+                <a:ext uri="{FF2B5EF4-FFF2-40B4-BE49-F238E27FC236}">
+                  <a16:creationId xmlns:a16="http://schemas.microsoft.com/office/drawing/2014/main" id="{2CC658AF-67DF-6AAB-1E7E-3194445CD53D}"/>
+                </a:ext>
+              </a:extLst>
+            </p:cNvPr>
+            <p:cNvGrpSpPr/>
+            <p:nvPr/>
+          </p:nvGrpSpPr>
+          <p:grpSpPr>
+            <a:xfrm>
+              <a:off x="2615950" y="2316708"/>
+              <a:ext cx="1770753" cy="1770753"/>
+              <a:chOff x="1672521" y="947047"/>
+              <a:chExt cx="5400000" cy="5400000"/>
+            </a:xfrm>
+            <a:grpFill/>
+          </p:grpSpPr>
+          <p:sp>
+            <p:nvSpPr>
+              <p:cNvPr id="2" name="Rectangle: Rounded Corners 1">
+                <a:extLst>
+                  <a:ext uri="{FF2B5EF4-FFF2-40B4-BE49-F238E27FC236}">
+                    <a16:creationId xmlns:a16="http://schemas.microsoft.com/office/drawing/2014/main" id="{E894C8F9-BB87-8F77-6662-C1DABD777AC6}"/>
+                  </a:ext>
+                </a:extLst>
+              </p:cNvPr>
+              <p:cNvSpPr/>
+              <p:nvPr/>
+            </p:nvSpPr>
+            <p:spPr>
+              <a:xfrm>
+                <a:off x="1672521" y="947047"/>
+                <a:ext cx="5400000" cy="5400000"/>
+              </a:xfrm>
+              <a:prstGeom prst="roundRect">
+                <a:avLst>
+                  <a:gd name="adj" fmla="val 6261"/>
+                </a:avLst>
+              </a:prstGeom>
+              <a:grpFill/>
+              <a:ln>
+                <a:noFill/>
+              </a:ln>
+            </p:spPr>
+            <p:style>
+              <a:lnRef idx="2">
+                <a:schemeClr val="accent1">
+                  <a:shade val="50000"/>
+                </a:schemeClr>
+              </a:lnRef>
+              <a:fillRef idx="1">
+                <a:schemeClr val="accent1"/>
+              </a:fillRef>
+              <a:effectRef idx="0">
+                <a:schemeClr val="accent1"/>
+              </a:effectRef>
+              <a:fontRef idx="minor">
+                <a:schemeClr val="lt1"/>
+              </a:fontRef>
+            </p:style>
+            <p:txBody>
+              <a:bodyPr rtlCol="0" anchor="ctr"/>
+              <a:lstStyle/>
+              <a:p>
+                <a:pPr algn="ctr"/>
+                <a:endParaRPr lang="en-IN"/>
+              </a:p>
+            </p:txBody>
+          </p:sp>
+          <p:sp>
+            <p:nvSpPr>
+              <p:cNvPr id="3" name="Hexagon 10">
+                <a:extLst>
+                  <a:ext uri="{FF2B5EF4-FFF2-40B4-BE49-F238E27FC236}">
+                    <a16:creationId xmlns:a16="http://schemas.microsoft.com/office/drawing/2014/main" id="{6D8DFE21-E14B-2C49-31EC-E2153929BC18}"/>
+                  </a:ext>
+                </a:extLst>
+              </p:cNvPr>
+              <p:cNvSpPr/>
+              <p:nvPr/>
+            </p:nvSpPr>
+            <p:spPr>
+              <a:xfrm>
+                <a:off x="2703742" y="1295778"/>
+                <a:ext cx="3337559" cy="4702540"/>
+              </a:xfrm>
+              <a:custGeom>
+                <a:avLst/>
+                <a:gdLst>
+                  <a:gd name="connsiteX0" fmla="*/ 0 w 3238500"/>
+                  <a:gd name="connsiteY0" fmla="*/ 1405890 h 2811780"/>
+                  <a:gd name="connsiteX1" fmla="*/ 506739 w 3238500"/>
+                  <a:gd name="connsiteY1" fmla="*/ 1 h 2811780"/>
+                  <a:gd name="connsiteX2" fmla="*/ 2731761 w 3238500"/>
+                  <a:gd name="connsiteY2" fmla="*/ 1 h 2811780"/>
+                  <a:gd name="connsiteX3" fmla="*/ 3238500 w 3238500"/>
+                  <a:gd name="connsiteY3" fmla="*/ 1405890 h 2811780"/>
+                  <a:gd name="connsiteX4" fmla="*/ 2731761 w 3238500"/>
+                  <a:gd name="connsiteY4" fmla="*/ 2811779 h 2811780"/>
+                  <a:gd name="connsiteX5" fmla="*/ 506739 w 3238500"/>
+                  <a:gd name="connsiteY5" fmla="*/ 2811779 h 2811780"/>
+                  <a:gd name="connsiteX6" fmla="*/ 0 w 3238500"/>
+                  <a:gd name="connsiteY6" fmla="*/ 1405890 h 2811780"/>
+                  <a:gd name="connsiteX0" fmla="*/ 87621 w 3326121"/>
+                  <a:gd name="connsiteY0" fmla="*/ 1802129 h 3208018"/>
+                  <a:gd name="connsiteX1" fmla="*/ 0 w 3326121"/>
+                  <a:gd name="connsiteY1" fmla="*/ 0 h 3208018"/>
+                  <a:gd name="connsiteX2" fmla="*/ 2819382 w 3326121"/>
+                  <a:gd name="connsiteY2" fmla="*/ 396240 h 3208018"/>
+                  <a:gd name="connsiteX3" fmla="*/ 3326121 w 3326121"/>
+                  <a:gd name="connsiteY3" fmla="*/ 1802129 h 3208018"/>
+                  <a:gd name="connsiteX4" fmla="*/ 2819382 w 3326121"/>
+                  <a:gd name="connsiteY4" fmla="*/ 3208018 h 3208018"/>
+                  <a:gd name="connsiteX5" fmla="*/ 594360 w 3326121"/>
+                  <a:gd name="connsiteY5" fmla="*/ 3208018 h 3208018"/>
+                  <a:gd name="connsiteX6" fmla="*/ 87621 w 3326121"/>
+                  <a:gd name="connsiteY6" fmla="*/ 1802129 h 3208018"/>
+                  <a:gd name="connsiteX0" fmla="*/ 94765 w 3333265"/>
+                  <a:gd name="connsiteY0" fmla="*/ 1823560 h 3229449"/>
+                  <a:gd name="connsiteX1" fmla="*/ 0 w 3333265"/>
+                  <a:gd name="connsiteY1" fmla="*/ 0 h 3229449"/>
+                  <a:gd name="connsiteX2" fmla="*/ 2826526 w 3333265"/>
+                  <a:gd name="connsiteY2" fmla="*/ 417671 h 3229449"/>
+                  <a:gd name="connsiteX3" fmla="*/ 3333265 w 3333265"/>
+                  <a:gd name="connsiteY3" fmla="*/ 1823560 h 3229449"/>
+                  <a:gd name="connsiteX4" fmla="*/ 2826526 w 3333265"/>
+                  <a:gd name="connsiteY4" fmla="*/ 3229449 h 3229449"/>
+                  <a:gd name="connsiteX5" fmla="*/ 601504 w 3333265"/>
+                  <a:gd name="connsiteY5" fmla="*/ 3229449 h 3229449"/>
+                  <a:gd name="connsiteX6" fmla="*/ 94765 w 3333265"/>
+                  <a:gd name="connsiteY6" fmla="*/ 1823560 h 3229449"/>
+                  <a:gd name="connsiteX0" fmla="*/ 99527 w 3338027"/>
+                  <a:gd name="connsiteY0" fmla="*/ 1828322 h 3234211"/>
+                  <a:gd name="connsiteX1" fmla="*/ 0 w 3338027"/>
+                  <a:gd name="connsiteY1" fmla="*/ 0 h 3234211"/>
+                  <a:gd name="connsiteX2" fmla="*/ 2831288 w 3338027"/>
+                  <a:gd name="connsiteY2" fmla="*/ 422433 h 3234211"/>
+                  <a:gd name="connsiteX3" fmla="*/ 3338027 w 3338027"/>
+                  <a:gd name="connsiteY3" fmla="*/ 1828322 h 3234211"/>
+                  <a:gd name="connsiteX4" fmla="*/ 2831288 w 3338027"/>
+                  <a:gd name="connsiteY4" fmla="*/ 3234211 h 3234211"/>
+                  <a:gd name="connsiteX5" fmla="*/ 606266 w 3338027"/>
+                  <a:gd name="connsiteY5" fmla="*/ 3234211 h 3234211"/>
+                  <a:gd name="connsiteX6" fmla="*/ 99527 w 3338027"/>
+                  <a:gd name="connsiteY6" fmla="*/ 1828322 h 3234211"/>
+                  <a:gd name="connsiteX0" fmla="*/ 99527 w 3338027"/>
+                  <a:gd name="connsiteY0" fmla="*/ 1977389 h 3383278"/>
+                  <a:gd name="connsiteX1" fmla="*/ 0 w 3338027"/>
+                  <a:gd name="connsiteY1" fmla="*/ 149067 h 3383278"/>
+                  <a:gd name="connsiteX2" fmla="*/ 1912125 w 3338027"/>
+                  <a:gd name="connsiteY2" fmla="*/ 0 h 3383278"/>
+                  <a:gd name="connsiteX3" fmla="*/ 3338027 w 3338027"/>
+                  <a:gd name="connsiteY3" fmla="*/ 1977389 h 3383278"/>
+                  <a:gd name="connsiteX4" fmla="*/ 2831288 w 3338027"/>
+                  <a:gd name="connsiteY4" fmla="*/ 3383278 h 3383278"/>
+                  <a:gd name="connsiteX5" fmla="*/ 606266 w 3338027"/>
+                  <a:gd name="connsiteY5" fmla="*/ 3383278 h 3383278"/>
+                  <a:gd name="connsiteX6" fmla="*/ 99527 w 3338027"/>
+                  <a:gd name="connsiteY6" fmla="*/ 1977389 h 3383278"/>
+                  <a:gd name="connsiteX0" fmla="*/ 97146 w 3335646"/>
+                  <a:gd name="connsiteY0" fmla="*/ 1977389 h 3383278"/>
+                  <a:gd name="connsiteX1" fmla="*/ 0 w 3335646"/>
+                  <a:gd name="connsiteY1" fmla="*/ 146686 h 3383278"/>
+                  <a:gd name="connsiteX2" fmla="*/ 1909744 w 3335646"/>
+                  <a:gd name="connsiteY2" fmla="*/ 0 h 3383278"/>
+                  <a:gd name="connsiteX3" fmla="*/ 3335646 w 3335646"/>
+                  <a:gd name="connsiteY3" fmla="*/ 1977389 h 3383278"/>
+                  <a:gd name="connsiteX4" fmla="*/ 2828907 w 3335646"/>
+                  <a:gd name="connsiteY4" fmla="*/ 3383278 h 3383278"/>
+                  <a:gd name="connsiteX5" fmla="*/ 603885 w 3335646"/>
+                  <a:gd name="connsiteY5" fmla="*/ 3383278 h 3383278"/>
+                  <a:gd name="connsiteX6" fmla="*/ 97146 w 3335646"/>
+                  <a:gd name="connsiteY6" fmla="*/ 1977389 h 3383278"/>
+                  <a:gd name="connsiteX0" fmla="*/ 97146 w 3347085"/>
+                  <a:gd name="connsiteY0" fmla="*/ 1977389 h 4750165"/>
+                  <a:gd name="connsiteX1" fmla="*/ 0 w 3347085"/>
+                  <a:gd name="connsiteY1" fmla="*/ 146686 h 4750165"/>
+                  <a:gd name="connsiteX2" fmla="*/ 1909744 w 3347085"/>
+                  <a:gd name="connsiteY2" fmla="*/ 0 h 4750165"/>
+                  <a:gd name="connsiteX3" fmla="*/ 3335646 w 3347085"/>
+                  <a:gd name="connsiteY3" fmla="*/ 1977389 h 4750165"/>
+                  <a:gd name="connsiteX4" fmla="*/ 2828907 w 3347085"/>
+                  <a:gd name="connsiteY4" fmla="*/ 3383278 h 4750165"/>
+                  <a:gd name="connsiteX5" fmla="*/ 3347085 w 3347085"/>
+                  <a:gd name="connsiteY5" fmla="*/ 4750165 h 4750165"/>
+                  <a:gd name="connsiteX6" fmla="*/ 97146 w 3347085"/>
+                  <a:gd name="connsiteY6" fmla="*/ 1977389 h 4750165"/>
+                  <a:gd name="connsiteX0" fmla="*/ 954986 w 3347085"/>
+                  <a:gd name="connsiteY0" fmla="*/ 4456639 h 4750165"/>
+                  <a:gd name="connsiteX1" fmla="*/ 0 w 3347085"/>
+                  <a:gd name="connsiteY1" fmla="*/ 146686 h 4750165"/>
+                  <a:gd name="connsiteX2" fmla="*/ 1909744 w 3347085"/>
+                  <a:gd name="connsiteY2" fmla="*/ 0 h 4750165"/>
+                  <a:gd name="connsiteX3" fmla="*/ 3335646 w 3347085"/>
+                  <a:gd name="connsiteY3" fmla="*/ 1977389 h 4750165"/>
+                  <a:gd name="connsiteX4" fmla="*/ 2828907 w 3347085"/>
+                  <a:gd name="connsiteY4" fmla="*/ 3383278 h 4750165"/>
+                  <a:gd name="connsiteX5" fmla="*/ 3347085 w 3347085"/>
+                  <a:gd name="connsiteY5" fmla="*/ 4750165 h 4750165"/>
+                  <a:gd name="connsiteX6" fmla="*/ 954986 w 3347085"/>
+                  <a:gd name="connsiteY6" fmla="*/ 4456639 h 4750165"/>
+                  <a:gd name="connsiteX0" fmla="*/ 954986 w 3337560"/>
+                  <a:gd name="connsiteY0" fmla="*/ 4456639 h 4702540"/>
+                  <a:gd name="connsiteX1" fmla="*/ 0 w 3337560"/>
+                  <a:gd name="connsiteY1" fmla="*/ 146686 h 4702540"/>
+                  <a:gd name="connsiteX2" fmla="*/ 1909744 w 3337560"/>
+                  <a:gd name="connsiteY2" fmla="*/ 0 h 4702540"/>
+                  <a:gd name="connsiteX3" fmla="*/ 3335646 w 3337560"/>
+                  <a:gd name="connsiteY3" fmla="*/ 1977389 h 4702540"/>
+                  <a:gd name="connsiteX4" fmla="*/ 2828907 w 3337560"/>
+                  <a:gd name="connsiteY4" fmla="*/ 3383278 h 4702540"/>
+                  <a:gd name="connsiteX5" fmla="*/ 3337560 w 3337560"/>
+                  <a:gd name="connsiteY5" fmla="*/ 4702540 h 4702540"/>
+                  <a:gd name="connsiteX6" fmla="*/ 954986 w 3337560"/>
+                  <a:gd name="connsiteY6" fmla="*/ 4456639 h 4702540"/>
+                  <a:gd name="connsiteX0" fmla="*/ 954986 w 3337560"/>
+                  <a:gd name="connsiteY0" fmla="*/ 4456639 h 4702540"/>
+                  <a:gd name="connsiteX1" fmla="*/ 0 w 3337560"/>
+                  <a:gd name="connsiteY1" fmla="*/ 146686 h 4702540"/>
+                  <a:gd name="connsiteX2" fmla="*/ 1909744 w 3337560"/>
+                  <a:gd name="connsiteY2" fmla="*/ 0 h 4702540"/>
+                  <a:gd name="connsiteX3" fmla="*/ 3335646 w 3337560"/>
+                  <a:gd name="connsiteY3" fmla="*/ 1977389 h 4702540"/>
+                  <a:gd name="connsiteX4" fmla="*/ 3038457 w 3337560"/>
+                  <a:gd name="connsiteY4" fmla="*/ 2913378 h 4702540"/>
+                  <a:gd name="connsiteX5" fmla="*/ 3337560 w 3337560"/>
+                  <a:gd name="connsiteY5" fmla="*/ 4702540 h 4702540"/>
+                  <a:gd name="connsiteX6" fmla="*/ 954986 w 3337560"/>
+                  <a:gd name="connsiteY6" fmla="*/ 4456639 h 4702540"/>
+                  <a:gd name="connsiteX0" fmla="*/ 954986 w 3337560"/>
+                  <a:gd name="connsiteY0" fmla="*/ 4456639 h 4702540"/>
+                  <a:gd name="connsiteX1" fmla="*/ 0 w 3337560"/>
+                  <a:gd name="connsiteY1" fmla="*/ 146686 h 4702540"/>
+                  <a:gd name="connsiteX2" fmla="*/ 1909744 w 3337560"/>
+                  <a:gd name="connsiteY2" fmla="*/ 0 h 4702540"/>
+                  <a:gd name="connsiteX3" fmla="*/ 1576696 w 3337560"/>
+                  <a:gd name="connsiteY3" fmla="*/ 3482339 h 4702540"/>
+                  <a:gd name="connsiteX4" fmla="*/ 3038457 w 3337560"/>
+                  <a:gd name="connsiteY4" fmla="*/ 2913378 h 4702540"/>
+                  <a:gd name="connsiteX5" fmla="*/ 3337560 w 3337560"/>
+                  <a:gd name="connsiteY5" fmla="*/ 4702540 h 4702540"/>
+                  <a:gd name="connsiteX6" fmla="*/ 954986 w 3337560"/>
+                  <a:gd name="connsiteY6" fmla="*/ 4456639 h 4702540"/>
+                </a:gdLst>
+                <a:ahLst/>
+                <a:cxnLst>
+                  <a:cxn ang="0">
+                    <a:pos x="connsiteX0" y="connsiteY0"/>
+                  </a:cxn>
+                  <a:cxn ang="0">
+                    <a:pos x="connsiteX1" y="connsiteY1"/>
+                  </a:cxn>
+                  <a:cxn ang="0">
+                    <a:pos x="connsiteX2" y="connsiteY2"/>
+                  </a:cxn>
+                  <a:cxn ang="0">
+                    <a:pos x="connsiteX3" y="connsiteY3"/>
+                  </a:cxn>
+                  <a:cxn ang="0">
+                    <a:pos x="connsiteX4" y="connsiteY4"/>
+                  </a:cxn>
+                  <a:cxn ang="0">
+                    <a:pos x="connsiteX5" y="connsiteY5"/>
+                  </a:cxn>
+                  <a:cxn ang="0">
+                    <a:pos x="connsiteX6" y="connsiteY6"/>
+                  </a:cxn>
+                </a:cxnLst>
+                <a:rect l="l" t="t" r="r" b="b"/>
+                <a:pathLst>
+                  <a:path w="3337560" h="4702540">
+                    <a:moveTo>
+                      <a:pt x="954986" y="4456639"/>
+                    </a:moveTo>
+                    <a:lnTo>
+                      <a:pt x="0" y="146686"/>
+                    </a:lnTo>
+                    <a:lnTo>
+                      <a:pt x="1909744" y="0"/>
+                    </a:lnTo>
+                    <a:lnTo>
+                      <a:pt x="1576696" y="3482339"/>
+                    </a:lnTo>
+                    <a:lnTo>
+                      <a:pt x="3038457" y="2913378"/>
+                    </a:lnTo>
+                    <a:lnTo>
+                      <a:pt x="3337560" y="4702540"/>
+                    </a:lnTo>
+                    <a:lnTo>
+                      <a:pt x="954986" y="4456639"/>
+                    </a:lnTo>
+                    <a:close/>
+                  </a:path>
+                </a:pathLst>
+              </a:custGeom>
+              <a:solidFill>
+                <a:schemeClr val="bg1">
+                  <a:alpha val="99000"/>
+                </a:schemeClr>
+              </a:solidFill>
+              <a:ln>
+                <a:noFill/>
+              </a:ln>
+            </p:spPr>
+            <p:style>
+              <a:lnRef idx="2">
+                <a:schemeClr val="accent1">
+                  <a:shade val="50000"/>
+                </a:schemeClr>
+              </a:lnRef>
+              <a:fillRef idx="1">
+                <a:schemeClr val="accent1"/>
+              </a:fillRef>
+              <a:effectRef idx="0">
+                <a:schemeClr val="accent1"/>
+              </a:effectRef>
+              <a:fontRef idx="minor">
+                <a:schemeClr val="lt1"/>
+              </a:fontRef>
+            </p:style>
+            <p:txBody>
+              <a:bodyPr rtlCol="0" anchor="ctr"/>
+              <a:lstStyle/>
+              <a:p>
+                <a:pPr algn="ctr"/>
+                <a:endParaRPr lang="en-IN" dirty="0"/>
+              </a:p>
+            </p:txBody>
+          </p:sp>
+        </p:grpSp>
+        <p:sp>
+          <p:nvSpPr>
+            <p:cNvPr id="6" name="TextBox 5">
+              <a:extLst>
+                <a:ext uri="{FF2B5EF4-FFF2-40B4-BE49-F238E27FC236}">
+                  <a16:creationId xmlns:a16="http://schemas.microsoft.com/office/drawing/2014/main" id="{FB2581EA-4648-6246-950D-F903D004E992}"/>
+                </a:ext>
+              </a:extLst>
+            </p:cNvPr>
+            <p:cNvSpPr txBox="1"/>
+            <p:nvPr/>
+          </p:nvSpPr>
+          <p:spPr>
+            <a:xfrm>
+              <a:off x="4498575" y="1920895"/>
+              <a:ext cx="5102679" cy="3016210"/>
+            </a:xfrm>
+            <a:prstGeom prst="rect">
+              <a:avLst/>
+            </a:prstGeom>
+            <a:noFill/>
+          </p:spPr>
+          <p:txBody>
+            <a:bodyPr wrap="none" rtlCol="0">
+              <a:spAutoFit/>
+            </a:bodyPr>
+            <a:lstStyle/>
+            <a:p>
+              <a:r>
+                <a:rPr lang="en-IN" sz="19000" b="1" dirty="0" err="1">
+                  <a:solidFill>
+                    <a:srgbClr val="542CB7"/>
+                  </a:solidFill>
+                  <a:latin typeface="DaytonaW01-Bold" panose="020B0804030503040204" pitchFamily="34" charset="0"/>
+                </a:rPr>
+                <a:t>larn</a:t>
+              </a:r>
+              <a:endParaRPr lang="en-IN" sz="19000" b="1" dirty="0">
+                <a:solidFill>
+                  <a:srgbClr val="542CB7"/>
+                </a:solidFill>
+                <a:latin typeface="DaytonaW01-Bold" panose="020B0804030503040204" pitchFamily="34" charset="0"/>
+              </a:endParaRPr>
+            </a:p>
+          </p:txBody>
+        </p:sp>
+      </p:grpSp>
+    </p:spTree>
+    <p:extLst>
+      <p:ext uri="{BB962C8B-B14F-4D97-AF65-F5344CB8AC3E}">
+        <p14:creationId xmlns:p14="http://schemas.microsoft.com/office/powerpoint/2010/main" val="4173760117"/>
+      </p:ext>
+    </p:extLst>
+  </p:cSld>
+  <p:clrMapOvr>
+    <a:masterClrMapping/>
+  </p:clrMapOvr>
+</p:sld>
+</file>
+
+<file path=ppt/slides/slide9.xml><?xml version="1.0" encoding="utf-8"?>
+<p:sld xmlns:a="http://schemas.openxmlformats.org/drawingml/2006/main" xmlns:r="http://schemas.openxmlformats.org/officeDocument/2006/relationships" xmlns:p="http://schemas.openxmlformats.org/presentationml/2006/main">
+  <p:cSld>
     <p:bg>
       <p:bgPr>
         <a:solidFill>
@@ -6678,351 +8568,6 @@
 </p:sld>
 </file>
 
-<file path=ppt/slides/slide9.xml><?xml version="1.0" encoding="utf-8"?>
-<p:sld xmlns:a="http://schemas.openxmlformats.org/drawingml/2006/main" xmlns:r="http://schemas.openxmlformats.org/officeDocument/2006/relationships" xmlns:p="http://schemas.openxmlformats.org/presentationml/2006/main">
-  <p:cSld>
-    <p:spTree>
-      <p:nvGrpSpPr>
-        <p:cNvPr id="1" name=""/>
-        <p:cNvGrpSpPr/>
-        <p:nvPr/>
-      </p:nvGrpSpPr>
-      <p:grpSpPr>
-        <a:xfrm>
-          <a:off x="0" y="0"/>
-          <a:ext cx="0" cy="0"/>
-          <a:chOff x="0" y="0"/>
-          <a:chExt cx="0" cy="0"/>
-        </a:xfrm>
-      </p:grpSpPr>
-      <p:sp>
-        <p:nvSpPr>
-          <p:cNvPr id="2" name="Rectangle: Rounded Corners 1">
-            <a:extLst>
-              <a:ext uri="{FF2B5EF4-FFF2-40B4-BE49-F238E27FC236}">
-                <a16:creationId xmlns:a16="http://schemas.microsoft.com/office/drawing/2014/main" id="{8945C72F-25FF-032D-215D-65F065848EB6}"/>
-              </a:ext>
-            </a:extLst>
-          </p:cNvPr>
-          <p:cNvSpPr/>
-          <p:nvPr/>
-        </p:nvSpPr>
-        <p:spPr>
-          <a:xfrm>
-            <a:off x="2908050" y="2543623"/>
-            <a:ext cx="1770753" cy="1770753"/>
-          </a:xfrm>
-          <a:prstGeom prst="roundRect">
-            <a:avLst>
-              <a:gd name="adj" fmla="val 6261"/>
-            </a:avLst>
-          </a:prstGeom>
-          <a:solidFill>
-            <a:srgbClr val="542CB7"/>
-          </a:solidFill>
-          <a:ln>
-            <a:noFill/>
-          </a:ln>
-        </p:spPr>
-        <p:style>
-          <a:lnRef idx="2">
-            <a:schemeClr val="accent1">
-              <a:shade val="50000"/>
-            </a:schemeClr>
-          </a:lnRef>
-          <a:fillRef idx="1">
-            <a:schemeClr val="accent1"/>
-          </a:fillRef>
-          <a:effectRef idx="0">
-            <a:schemeClr val="accent1"/>
-          </a:effectRef>
-          <a:fontRef idx="minor">
-            <a:schemeClr val="lt1"/>
-          </a:fontRef>
-        </p:style>
-        <p:txBody>
-          <a:bodyPr rtlCol="0" anchor="ctr"/>
-          <a:lstStyle/>
-          <a:p>
-            <a:pPr algn="ctr"/>
-            <a:endParaRPr lang="en-IN"/>
-          </a:p>
-        </p:txBody>
-      </p:sp>
-      <p:sp>
-        <p:nvSpPr>
-          <p:cNvPr id="3" name="Hexagon 10">
-            <a:extLst>
-              <a:ext uri="{FF2B5EF4-FFF2-40B4-BE49-F238E27FC236}">
-                <a16:creationId xmlns:a16="http://schemas.microsoft.com/office/drawing/2014/main" id="{C9C4F585-C775-A4CB-ADC3-FE7298117F62}"/>
-              </a:ext>
-            </a:extLst>
-          </p:cNvPr>
-          <p:cNvSpPr/>
-          <p:nvPr/>
-        </p:nvSpPr>
-        <p:spPr>
-          <a:xfrm>
-            <a:off x="3246205" y="2657978"/>
-            <a:ext cx="1094443" cy="1542044"/>
-          </a:xfrm>
-          <a:custGeom>
-            <a:avLst/>
-            <a:gdLst>
-              <a:gd name="connsiteX0" fmla="*/ 0 w 3238500"/>
-              <a:gd name="connsiteY0" fmla="*/ 1405890 h 2811780"/>
-              <a:gd name="connsiteX1" fmla="*/ 506739 w 3238500"/>
-              <a:gd name="connsiteY1" fmla="*/ 1 h 2811780"/>
-              <a:gd name="connsiteX2" fmla="*/ 2731761 w 3238500"/>
-              <a:gd name="connsiteY2" fmla="*/ 1 h 2811780"/>
-              <a:gd name="connsiteX3" fmla="*/ 3238500 w 3238500"/>
-              <a:gd name="connsiteY3" fmla="*/ 1405890 h 2811780"/>
-              <a:gd name="connsiteX4" fmla="*/ 2731761 w 3238500"/>
-              <a:gd name="connsiteY4" fmla="*/ 2811779 h 2811780"/>
-              <a:gd name="connsiteX5" fmla="*/ 506739 w 3238500"/>
-              <a:gd name="connsiteY5" fmla="*/ 2811779 h 2811780"/>
-              <a:gd name="connsiteX6" fmla="*/ 0 w 3238500"/>
-              <a:gd name="connsiteY6" fmla="*/ 1405890 h 2811780"/>
-              <a:gd name="connsiteX0" fmla="*/ 87621 w 3326121"/>
-              <a:gd name="connsiteY0" fmla="*/ 1802129 h 3208018"/>
-              <a:gd name="connsiteX1" fmla="*/ 0 w 3326121"/>
-              <a:gd name="connsiteY1" fmla="*/ 0 h 3208018"/>
-              <a:gd name="connsiteX2" fmla="*/ 2819382 w 3326121"/>
-              <a:gd name="connsiteY2" fmla="*/ 396240 h 3208018"/>
-              <a:gd name="connsiteX3" fmla="*/ 3326121 w 3326121"/>
-              <a:gd name="connsiteY3" fmla="*/ 1802129 h 3208018"/>
-              <a:gd name="connsiteX4" fmla="*/ 2819382 w 3326121"/>
-              <a:gd name="connsiteY4" fmla="*/ 3208018 h 3208018"/>
-              <a:gd name="connsiteX5" fmla="*/ 594360 w 3326121"/>
-              <a:gd name="connsiteY5" fmla="*/ 3208018 h 3208018"/>
-              <a:gd name="connsiteX6" fmla="*/ 87621 w 3326121"/>
-              <a:gd name="connsiteY6" fmla="*/ 1802129 h 3208018"/>
-              <a:gd name="connsiteX0" fmla="*/ 94765 w 3333265"/>
-              <a:gd name="connsiteY0" fmla="*/ 1823560 h 3229449"/>
-              <a:gd name="connsiteX1" fmla="*/ 0 w 3333265"/>
-              <a:gd name="connsiteY1" fmla="*/ 0 h 3229449"/>
-              <a:gd name="connsiteX2" fmla="*/ 2826526 w 3333265"/>
-              <a:gd name="connsiteY2" fmla="*/ 417671 h 3229449"/>
-              <a:gd name="connsiteX3" fmla="*/ 3333265 w 3333265"/>
-              <a:gd name="connsiteY3" fmla="*/ 1823560 h 3229449"/>
-              <a:gd name="connsiteX4" fmla="*/ 2826526 w 3333265"/>
-              <a:gd name="connsiteY4" fmla="*/ 3229449 h 3229449"/>
-              <a:gd name="connsiteX5" fmla="*/ 601504 w 3333265"/>
-              <a:gd name="connsiteY5" fmla="*/ 3229449 h 3229449"/>
-              <a:gd name="connsiteX6" fmla="*/ 94765 w 3333265"/>
-              <a:gd name="connsiteY6" fmla="*/ 1823560 h 3229449"/>
-              <a:gd name="connsiteX0" fmla="*/ 99527 w 3338027"/>
-              <a:gd name="connsiteY0" fmla="*/ 1828322 h 3234211"/>
-              <a:gd name="connsiteX1" fmla="*/ 0 w 3338027"/>
-              <a:gd name="connsiteY1" fmla="*/ 0 h 3234211"/>
-              <a:gd name="connsiteX2" fmla="*/ 2831288 w 3338027"/>
-              <a:gd name="connsiteY2" fmla="*/ 422433 h 3234211"/>
-              <a:gd name="connsiteX3" fmla="*/ 3338027 w 3338027"/>
-              <a:gd name="connsiteY3" fmla="*/ 1828322 h 3234211"/>
-              <a:gd name="connsiteX4" fmla="*/ 2831288 w 3338027"/>
-              <a:gd name="connsiteY4" fmla="*/ 3234211 h 3234211"/>
-              <a:gd name="connsiteX5" fmla="*/ 606266 w 3338027"/>
-              <a:gd name="connsiteY5" fmla="*/ 3234211 h 3234211"/>
-              <a:gd name="connsiteX6" fmla="*/ 99527 w 3338027"/>
-              <a:gd name="connsiteY6" fmla="*/ 1828322 h 3234211"/>
-              <a:gd name="connsiteX0" fmla="*/ 99527 w 3338027"/>
-              <a:gd name="connsiteY0" fmla="*/ 1977389 h 3383278"/>
-              <a:gd name="connsiteX1" fmla="*/ 0 w 3338027"/>
-              <a:gd name="connsiteY1" fmla="*/ 149067 h 3383278"/>
-              <a:gd name="connsiteX2" fmla="*/ 1912125 w 3338027"/>
-              <a:gd name="connsiteY2" fmla="*/ 0 h 3383278"/>
-              <a:gd name="connsiteX3" fmla="*/ 3338027 w 3338027"/>
-              <a:gd name="connsiteY3" fmla="*/ 1977389 h 3383278"/>
-              <a:gd name="connsiteX4" fmla="*/ 2831288 w 3338027"/>
-              <a:gd name="connsiteY4" fmla="*/ 3383278 h 3383278"/>
-              <a:gd name="connsiteX5" fmla="*/ 606266 w 3338027"/>
-              <a:gd name="connsiteY5" fmla="*/ 3383278 h 3383278"/>
-              <a:gd name="connsiteX6" fmla="*/ 99527 w 3338027"/>
-              <a:gd name="connsiteY6" fmla="*/ 1977389 h 3383278"/>
-              <a:gd name="connsiteX0" fmla="*/ 97146 w 3335646"/>
-              <a:gd name="connsiteY0" fmla="*/ 1977389 h 3383278"/>
-              <a:gd name="connsiteX1" fmla="*/ 0 w 3335646"/>
-              <a:gd name="connsiteY1" fmla="*/ 146686 h 3383278"/>
-              <a:gd name="connsiteX2" fmla="*/ 1909744 w 3335646"/>
-              <a:gd name="connsiteY2" fmla="*/ 0 h 3383278"/>
-              <a:gd name="connsiteX3" fmla="*/ 3335646 w 3335646"/>
-              <a:gd name="connsiteY3" fmla="*/ 1977389 h 3383278"/>
-              <a:gd name="connsiteX4" fmla="*/ 2828907 w 3335646"/>
-              <a:gd name="connsiteY4" fmla="*/ 3383278 h 3383278"/>
-              <a:gd name="connsiteX5" fmla="*/ 603885 w 3335646"/>
-              <a:gd name="connsiteY5" fmla="*/ 3383278 h 3383278"/>
-              <a:gd name="connsiteX6" fmla="*/ 97146 w 3335646"/>
-              <a:gd name="connsiteY6" fmla="*/ 1977389 h 3383278"/>
-              <a:gd name="connsiteX0" fmla="*/ 97146 w 3347085"/>
-              <a:gd name="connsiteY0" fmla="*/ 1977389 h 4750165"/>
-              <a:gd name="connsiteX1" fmla="*/ 0 w 3347085"/>
-              <a:gd name="connsiteY1" fmla="*/ 146686 h 4750165"/>
-              <a:gd name="connsiteX2" fmla="*/ 1909744 w 3347085"/>
-              <a:gd name="connsiteY2" fmla="*/ 0 h 4750165"/>
-              <a:gd name="connsiteX3" fmla="*/ 3335646 w 3347085"/>
-              <a:gd name="connsiteY3" fmla="*/ 1977389 h 4750165"/>
-              <a:gd name="connsiteX4" fmla="*/ 2828907 w 3347085"/>
-              <a:gd name="connsiteY4" fmla="*/ 3383278 h 4750165"/>
-              <a:gd name="connsiteX5" fmla="*/ 3347085 w 3347085"/>
-              <a:gd name="connsiteY5" fmla="*/ 4750165 h 4750165"/>
-              <a:gd name="connsiteX6" fmla="*/ 97146 w 3347085"/>
-              <a:gd name="connsiteY6" fmla="*/ 1977389 h 4750165"/>
-              <a:gd name="connsiteX0" fmla="*/ 954986 w 3347085"/>
-              <a:gd name="connsiteY0" fmla="*/ 4456639 h 4750165"/>
-              <a:gd name="connsiteX1" fmla="*/ 0 w 3347085"/>
-              <a:gd name="connsiteY1" fmla="*/ 146686 h 4750165"/>
-              <a:gd name="connsiteX2" fmla="*/ 1909744 w 3347085"/>
-              <a:gd name="connsiteY2" fmla="*/ 0 h 4750165"/>
-              <a:gd name="connsiteX3" fmla="*/ 3335646 w 3347085"/>
-              <a:gd name="connsiteY3" fmla="*/ 1977389 h 4750165"/>
-              <a:gd name="connsiteX4" fmla="*/ 2828907 w 3347085"/>
-              <a:gd name="connsiteY4" fmla="*/ 3383278 h 4750165"/>
-              <a:gd name="connsiteX5" fmla="*/ 3347085 w 3347085"/>
-              <a:gd name="connsiteY5" fmla="*/ 4750165 h 4750165"/>
-              <a:gd name="connsiteX6" fmla="*/ 954986 w 3347085"/>
-              <a:gd name="connsiteY6" fmla="*/ 4456639 h 4750165"/>
-              <a:gd name="connsiteX0" fmla="*/ 954986 w 3337560"/>
-              <a:gd name="connsiteY0" fmla="*/ 4456639 h 4702540"/>
-              <a:gd name="connsiteX1" fmla="*/ 0 w 3337560"/>
-              <a:gd name="connsiteY1" fmla="*/ 146686 h 4702540"/>
-              <a:gd name="connsiteX2" fmla="*/ 1909744 w 3337560"/>
-              <a:gd name="connsiteY2" fmla="*/ 0 h 4702540"/>
-              <a:gd name="connsiteX3" fmla="*/ 3335646 w 3337560"/>
-              <a:gd name="connsiteY3" fmla="*/ 1977389 h 4702540"/>
-              <a:gd name="connsiteX4" fmla="*/ 2828907 w 3337560"/>
-              <a:gd name="connsiteY4" fmla="*/ 3383278 h 4702540"/>
-              <a:gd name="connsiteX5" fmla="*/ 3337560 w 3337560"/>
-              <a:gd name="connsiteY5" fmla="*/ 4702540 h 4702540"/>
-              <a:gd name="connsiteX6" fmla="*/ 954986 w 3337560"/>
-              <a:gd name="connsiteY6" fmla="*/ 4456639 h 4702540"/>
-              <a:gd name="connsiteX0" fmla="*/ 954986 w 3337560"/>
-              <a:gd name="connsiteY0" fmla="*/ 4456639 h 4702540"/>
-              <a:gd name="connsiteX1" fmla="*/ 0 w 3337560"/>
-              <a:gd name="connsiteY1" fmla="*/ 146686 h 4702540"/>
-              <a:gd name="connsiteX2" fmla="*/ 1909744 w 3337560"/>
-              <a:gd name="connsiteY2" fmla="*/ 0 h 4702540"/>
-              <a:gd name="connsiteX3" fmla="*/ 3335646 w 3337560"/>
-              <a:gd name="connsiteY3" fmla="*/ 1977389 h 4702540"/>
-              <a:gd name="connsiteX4" fmla="*/ 3038457 w 3337560"/>
-              <a:gd name="connsiteY4" fmla="*/ 2913378 h 4702540"/>
-              <a:gd name="connsiteX5" fmla="*/ 3337560 w 3337560"/>
-              <a:gd name="connsiteY5" fmla="*/ 4702540 h 4702540"/>
-              <a:gd name="connsiteX6" fmla="*/ 954986 w 3337560"/>
-              <a:gd name="connsiteY6" fmla="*/ 4456639 h 4702540"/>
-              <a:gd name="connsiteX0" fmla="*/ 954986 w 3337560"/>
-              <a:gd name="connsiteY0" fmla="*/ 4456639 h 4702540"/>
-              <a:gd name="connsiteX1" fmla="*/ 0 w 3337560"/>
-              <a:gd name="connsiteY1" fmla="*/ 146686 h 4702540"/>
-              <a:gd name="connsiteX2" fmla="*/ 1909744 w 3337560"/>
-              <a:gd name="connsiteY2" fmla="*/ 0 h 4702540"/>
-              <a:gd name="connsiteX3" fmla="*/ 1576696 w 3337560"/>
-              <a:gd name="connsiteY3" fmla="*/ 3482339 h 4702540"/>
-              <a:gd name="connsiteX4" fmla="*/ 3038457 w 3337560"/>
-              <a:gd name="connsiteY4" fmla="*/ 2913378 h 4702540"/>
-              <a:gd name="connsiteX5" fmla="*/ 3337560 w 3337560"/>
-              <a:gd name="connsiteY5" fmla="*/ 4702540 h 4702540"/>
-              <a:gd name="connsiteX6" fmla="*/ 954986 w 3337560"/>
-              <a:gd name="connsiteY6" fmla="*/ 4456639 h 4702540"/>
-            </a:gdLst>
-            <a:ahLst/>
-            <a:cxnLst>
-              <a:cxn ang="0">
-                <a:pos x="connsiteX0" y="connsiteY0"/>
-              </a:cxn>
-              <a:cxn ang="0">
-                <a:pos x="connsiteX1" y="connsiteY1"/>
-              </a:cxn>
-              <a:cxn ang="0">
-                <a:pos x="connsiteX2" y="connsiteY2"/>
-              </a:cxn>
-              <a:cxn ang="0">
-                <a:pos x="connsiteX3" y="connsiteY3"/>
-              </a:cxn>
-              <a:cxn ang="0">
-                <a:pos x="connsiteX4" y="connsiteY4"/>
-              </a:cxn>
-              <a:cxn ang="0">
-                <a:pos x="connsiteX5" y="connsiteY5"/>
-              </a:cxn>
-              <a:cxn ang="0">
-                <a:pos x="connsiteX6" y="connsiteY6"/>
-              </a:cxn>
-            </a:cxnLst>
-            <a:rect l="l" t="t" r="r" b="b"/>
-            <a:pathLst>
-              <a:path w="3337560" h="4702540">
-                <a:moveTo>
-                  <a:pt x="954986" y="4456639"/>
-                </a:moveTo>
-                <a:lnTo>
-                  <a:pt x="0" y="146686"/>
-                </a:lnTo>
-                <a:lnTo>
-                  <a:pt x="1909744" y="0"/>
-                </a:lnTo>
-                <a:lnTo>
-                  <a:pt x="1576696" y="3482339"/>
-                </a:lnTo>
-                <a:lnTo>
-                  <a:pt x="3038457" y="2913378"/>
-                </a:lnTo>
-                <a:lnTo>
-                  <a:pt x="3337560" y="4702540"/>
-                </a:lnTo>
-                <a:lnTo>
-                  <a:pt x="954986" y="4456639"/>
-                </a:lnTo>
-                <a:close/>
-              </a:path>
-            </a:pathLst>
-          </a:custGeom>
-          <a:solidFill>
-            <a:schemeClr val="bg1">
-              <a:alpha val="99000"/>
-            </a:schemeClr>
-          </a:solidFill>
-          <a:ln>
-            <a:noFill/>
-          </a:ln>
-        </p:spPr>
-        <p:style>
-          <a:lnRef idx="2">
-            <a:schemeClr val="accent1">
-              <a:shade val="50000"/>
-            </a:schemeClr>
-          </a:lnRef>
-          <a:fillRef idx="1">
-            <a:schemeClr val="accent1"/>
-          </a:fillRef>
-          <a:effectRef idx="0">
-            <a:schemeClr val="accent1"/>
-          </a:effectRef>
-          <a:fontRef idx="minor">
-            <a:schemeClr val="lt1"/>
-          </a:fontRef>
-        </p:style>
-        <p:txBody>
-          <a:bodyPr rtlCol="0" anchor="ctr"/>
-          <a:lstStyle/>
-          <a:p>
-            <a:pPr algn="ctr"/>
-            <a:endParaRPr lang="en-IN" dirty="0"/>
-          </a:p>
-        </p:txBody>
-      </p:sp>
-    </p:spTree>
-    <p:extLst>
-      <p:ext uri="{BB962C8B-B14F-4D97-AF65-F5344CB8AC3E}">
-        <p14:creationId xmlns:p14="http://schemas.microsoft.com/office/powerpoint/2010/main" val="491293855"/>
-      </p:ext>
-    </p:extLst>
-  </p:cSld>
-  <p:clrMapOvr>
-    <a:masterClrMapping/>
-  </p:clrMapOvr>
-</p:sld>
-</file>
-
 <file path=ppt/theme/theme1.xml><?xml version="1.0" encoding="utf-8"?>
 <a:theme xmlns:a="http://schemas.openxmlformats.org/drawingml/2006/main" name="Office Theme">
   <a:themeElements>
